--- a/Documentations/GA.pptx
+++ b/Documentations/GA.pptx
@@ -15,9 +15,13 @@
     <p:sldId id="263" r:id="rId9"/>
     <p:sldId id="264" r:id="rId10"/>
     <p:sldId id="265" r:id="rId11"/>
-    <p:sldId id="266" r:id="rId12"/>
-    <p:sldId id="267" r:id="rId13"/>
-    <p:sldId id="268" r:id="rId14"/>
+    <p:sldId id="271" r:id="rId12"/>
+    <p:sldId id="274" r:id="rId13"/>
+    <p:sldId id="275" r:id="rId14"/>
+    <p:sldId id="276" r:id="rId15"/>
+    <p:sldId id="277" r:id="rId16"/>
+    <p:sldId id="267" r:id="rId17"/>
+    <p:sldId id="268" r:id="rId18"/>
   </p:sldIdLst>
   <p:sldSz cx="9144000" cy="6858000" type="screen4x3"/>
   <p:notesSz cx="6858000" cy="9144000"/>
@@ -306,7 +310,8 @@
           <a:p>
             <a:fld id="{E424DF08-3338-4D1A-921D-3E64638B4850}" type="datetimeFigureOut">
               <a:rPr lang="en-US" smtClean="0"/>
-              <a:t>22-Jul-22</a:t>
+              <a:pPr/>
+              <a:t>9/19/2022</a:t>
             </a:fld>
             <a:endParaRPr lang="en-US"/>
           </a:p>
@@ -329,6 +334,7 @@
           <a:p>
             <a:fld id="{3C822357-CCC7-4986-929E-3EB6B0E8973F}" type="slidenum">
               <a:rPr lang="en-US" smtClean="0"/>
+              <a:pPr/>
               <a:t>‹#›</a:t>
             </a:fld>
             <a:endParaRPr lang="en-US"/>
@@ -471,7 +477,8 @@
           <a:p>
             <a:fld id="{E424DF08-3338-4D1A-921D-3E64638B4850}" type="datetimeFigureOut">
               <a:rPr lang="en-US" smtClean="0"/>
-              <a:t>22-Jul-22</a:t>
+              <a:pPr/>
+              <a:t>9/19/2022</a:t>
             </a:fld>
             <a:endParaRPr lang="en-US"/>
           </a:p>
@@ -513,6 +520,7 @@
           <a:p>
             <a:fld id="{3C822357-CCC7-4986-929E-3EB6B0E8973F}" type="slidenum">
               <a:rPr lang="en-US" smtClean="0"/>
+              <a:pPr/>
               <a:t>‹#›</a:t>
             </a:fld>
             <a:endParaRPr lang="en-US"/>
@@ -646,7 +654,8 @@
           <a:p>
             <a:fld id="{E424DF08-3338-4D1A-921D-3E64638B4850}" type="datetimeFigureOut">
               <a:rPr lang="en-US" smtClean="0"/>
-              <a:t>22-Jul-22</a:t>
+              <a:pPr/>
+              <a:t>9/19/2022</a:t>
             </a:fld>
             <a:endParaRPr lang="en-US"/>
           </a:p>
@@ -688,6 +697,7 @@
           <a:p>
             <a:fld id="{3C822357-CCC7-4986-929E-3EB6B0E8973F}" type="slidenum">
               <a:rPr lang="en-US" smtClean="0"/>
+              <a:pPr/>
               <a:t>‹#›</a:t>
             </a:fld>
             <a:endParaRPr lang="en-US"/>
@@ -811,7 +821,8 @@
           <a:p>
             <a:fld id="{E424DF08-3338-4D1A-921D-3E64638B4850}" type="datetimeFigureOut">
               <a:rPr lang="en-US" smtClean="0"/>
-              <a:t>22-Jul-22</a:t>
+              <a:pPr/>
+              <a:t>9/19/2022</a:t>
             </a:fld>
             <a:endParaRPr lang="en-US"/>
           </a:p>
@@ -853,6 +864,7 @@
           <a:p>
             <a:fld id="{3C822357-CCC7-4986-929E-3EB6B0E8973F}" type="slidenum">
               <a:rPr lang="en-US" smtClean="0"/>
+              <a:pPr/>
               <a:t>‹#›</a:t>
             </a:fld>
             <a:endParaRPr lang="en-US"/>
@@ -1050,7 +1062,8 @@
           <a:p>
             <a:fld id="{E424DF08-3338-4D1A-921D-3E64638B4850}" type="datetimeFigureOut">
               <a:rPr lang="en-US" smtClean="0"/>
-              <a:t>22-Jul-22</a:t>
+              <a:pPr/>
+              <a:t>9/19/2022</a:t>
             </a:fld>
             <a:endParaRPr lang="en-US"/>
           </a:p>
@@ -1092,6 +1105,7 @@
           <a:p>
             <a:fld id="{3C822357-CCC7-4986-929E-3EB6B0E8973F}" type="slidenum">
               <a:rPr lang="en-US" smtClean="0"/>
+              <a:pPr/>
               <a:t>‹#›</a:t>
             </a:fld>
             <a:endParaRPr lang="en-US"/>
@@ -1140,7 +1154,8 @@
           <a:p>
             <a:fld id="{E424DF08-3338-4D1A-921D-3E64638B4850}" type="datetimeFigureOut">
               <a:rPr lang="en-US" smtClean="0"/>
-              <a:t>22-Jul-22</a:t>
+              <a:pPr/>
+              <a:t>9/19/2022</a:t>
             </a:fld>
             <a:endParaRPr lang="en-US"/>
           </a:p>
@@ -1182,6 +1197,7 @@
           <a:p>
             <a:fld id="{3C822357-CCC7-4986-929E-3EB6B0E8973F}" type="slidenum">
               <a:rPr lang="en-US" smtClean="0"/>
+              <a:pPr/>
               <a:t>‹#›</a:t>
             </a:fld>
             <a:endParaRPr lang="en-US"/>
@@ -1514,7 +1530,8 @@
           <a:p>
             <a:fld id="{E424DF08-3338-4D1A-921D-3E64638B4850}" type="datetimeFigureOut">
               <a:rPr lang="en-US" smtClean="0"/>
-              <a:t>22-Jul-22</a:t>
+              <a:pPr/>
+              <a:t>9/19/2022</a:t>
             </a:fld>
             <a:endParaRPr lang="en-US"/>
           </a:p>
@@ -1556,6 +1573,7 @@
           <a:p>
             <a:fld id="{3C822357-CCC7-4986-929E-3EB6B0E8973F}" type="slidenum">
               <a:rPr lang="en-US" smtClean="0"/>
+              <a:pPr/>
               <a:t>‹#›</a:t>
             </a:fld>
             <a:endParaRPr lang="en-US"/>
@@ -1769,7 +1787,8 @@
           <a:p>
             <a:fld id="{E424DF08-3338-4D1A-921D-3E64638B4850}" type="datetimeFigureOut">
               <a:rPr lang="en-US" smtClean="0"/>
-              <a:t>22-Jul-22</a:t>
+              <a:pPr/>
+              <a:t>9/19/2022</a:t>
             </a:fld>
             <a:endParaRPr lang="en-US"/>
           </a:p>
@@ -1811,6 +1830,7 @@
           <a:p>
             <a:fld id="{3C822357-CCC7-4986-929E-3EB6B0E8973F}" type="slidenum">
               <a:rPr lang="en-US" smtClean="0"/>
+              <a:pPr/>
               <a:t>‹#›</a:t>
             </a:fld>
             <a:endParaRPr lang="en-US"/>
@@ -1859,7 +1879,8 @@
           <a:p>
             <a:fld id="{E424DF08-3338-4D1A-921D-3E64638B4850}" type="datetimeFigureOut">
               <a:rPr lang="en-US" smtClean="0"/>
-              <a:t>22-Jul-22</a:t>
+              <a:pPr/>
+              <a:t>9/19/2022</a:t>
             </a:fld>
             <a:endParaRPr lang="en-US"/>
           </a:p>
@@ -1901,6 +1922,7 @@
           <a:p>
             <a:fld id="{3C822357-CCC7-4986-929E-3EB6B0E8973F}" type="slidenum">
               <a:rPr lang="en-US" smtClean="0"/>
+              <a:pPr/>
               <a:t>‹#›</a:t>
             </a:fld>
             <a:endParaRPr lang="en-US"/>
@@ -2133,7 +2155,8 @@
           <a:p>
             <a:fld id="{E424DF08-3338-4D1A-921D-3E64638B4850}" type="datetimeFigureOut">
               <a:rPr lang="en-US" smtClean="0"/>
-              <a:t>22-Jul-22</a:t>
+              <a:pPr/>
+              <a:t>9/19/2022</a:t>
             </a:fld>
             <a:endParaRPr lang="en-US"/>
           </a:p>
@@ -2175,6 +2198,7 @@
           <a:p>
             <a:fld id="{3C822357-CCC7-4986-929E-3EB6B0E8973F}" type="slidenum">
               <a:rPr lang="en-US" smtClean="0"/>
+              <a:pPr/>
               <a:t>‹#›</a:t>
             </a:fld>
             <a:endParaRPr lang="en-US"/>
@@ -2405,7 +2429,8 @@
           <a:p>
             <a:fld id="{E424DF08-3338-4D1A-921D-3E64638B4850}" type="datetimeFigureOut">
               <a:rPr lang="en-US" smtClean="0"/>
-              <a:t>22-Jul-22</a:t>
+              <a:pPr/>
+              <a:t>9/19/2022</a:t>
             </a:fld>
             <a:endParaRPr lang="en-US"/>
           </a:p>
@@ -2447,6 +2472,7 @@
           <a:p>
             <a:fld id="{3C822357-CCC7-4986-929E-3EB6B0E8973F}" type="slidenum">
               <a:rPr lang="en-US" smtClean="0"/>
+              <a:pPr/>
               <a:t>‹#›</a:t>
             </a:fld>
             <a:endParaRPr lang="en-US"/>
@@ -2705,7 +2731,8 @@
           <a:p>
             <a:fld id="{E424DF08-3338-4D1A-921D-3E64638B4850}" type="datetimeFigureOut">
               <a:rPr lang="en-US" smtClean="0"/>
-              <a:t>22-Jul-22</a:t>
+              <a:pPr/>
+              <a:t>9/19/2022</a:t>
             </a:fld>
             <a:endParaRPr lang="en-US"/>
           </a:p>
@@ -2744,6 +2771,7 @@
           <a:p>
             <a:fld id="{3C822357-CCC7-4986-929E-3EB6B0E8973F}" type="slidenum">
               <a:rPr lang="en-US" smtClean="0"/>
+              <a:pPr/>
               <a:t>‹#›</a:t>
             </a:fld>
             <a:endParaRPr lang="en-US"/>
@@ -3309,7 +3337,7 @@
     </p:spTree>
     <p:extLst>
       <p:ext uri="{BB962C8B-B14F-4D97-AF65-F5344CB8AC3E}">
-        <p14:creationId xmlns:p14="http://schemas.microsoft.com/office/powerpoint/2010/main" val="3678492757"/>
+        <p14:creationId xmlns:p14="http://schemas.microsoft.com/office/powerpoint/2010/main" xmlns="" val="3678492757"/>
       </p:ext>
     </p:extLst>
   </p:cSld>
@@ -3356,146 +3384,252 @@
         <p:spPr>
           <a:xfrm>
             <a:off x="533400" y="762000"/>
-            <a:ext cx="7924800" cy="1371600"/>
+            <a:ext cx="7924800" cy="5943600"/>
           </a:xfrm>
         </p:spPr>
         <p:txBody>
-          <a:bodyPr/>
-          <a:lstStyle/>
-          <a:p>
-            <a:r>
-              <a:rPr lang="en-US" dirty="0" err="1"/>
+          <a:bodyPr>
+            <a:normAutofit fontScale="92500" lnSpcReduction="10000"/>
+          </a:bodyPr>
+          <a:lstStyle/>
+          <a:p>
+            <a:r>
+              <a:rPr lang="en-US" dirty="0" smtClean="0"/>
               <a:t>Rezultati</a:t>
             </a:r>
             <a:r>
-              <a:rPr lang="en-US" dirty="0"/>
-              <a:t> </a:t>
-            </a:r>
-            <a:r>
-              <a:rPr lang="en-US" dirty="0" err="1"/>
-              <a:t>dobijeni</a:t>
-            </a:r>
-            <a:r>
-              <a:rPr lang="en-US" dirty="0"/>
-              <a:t> </a:t>
-            </a:r>
-            <a:r>
-              <a:rPr lang="en-US" dirty="0" err="1"/>
-              <a:t>za</a:t>
-            </a:r>
-            <a:r>
-              <a:rPr lang="en-US" dirty="0"/>
-              <a:t> </a:t>
-            </a:r>
-            <a:r>
-              <a:rPr lang="en-US" dirty="0" err="1"/>
-              <a:t>veličinu</a:t>
-            </a:r>
-            <a:r>
-              <a:rPr lang="en-US" dirty="0"/>
-              <a:t> </a:t>
-            </a:r>
-            <a:r>
-              <a:rPr lang="en-US" dirty="0" err="1"/>
-              <a:t>populacije</a:t>
-            </a:r>
-            <a:r>
-              <a:rPr lang="en-US" dirty="0"/>
-              <a:t> 30 i </a:t>
-            </a:r>
-            <a:r>
-              <a:rPr lang="en-US" dirty="0" err="1"/>
-              <a:t>nepromenjene</a:t>
-            </a:r>
-            <a:r>
-              <a:rPr lang="en-US" dirty="0"/>
-              <a:t> </a:t>
-            </a:r>
-            <a:r>
-              <a:rPr lang="en-US" dirty="0" err="1"/>
-              <a:t>ostale</a:t>
-            </a:r>
-            <a:r>
-              <a:rPr lang="en-US" dirty="0"/>
-              <a:t> </a:t>
-            </a:r>
-            <a:r>
-              <a:rPr lang="en-US" dirty="0" err="1"/>
-              <a:t>parametre</a:t>
-            </a:r>
-            <a:r>
-              <a:rPr lang="en-US" dirty="0"/>
-              <a:t> GA:</a:t>
-            </a:r>
-          </a:p>
-        </p:txBody>
-      </p:sp>
-      <p:sp>
-        <p:nvSpPr>
-          <p:cNvPr id="4" name="Content Placeholder 3"/>
-          <p:cNvSpPr>
-            <a:spLocks noGrp="1"/>
-          </p:cNvSpPr>
-          <p:nvPr>
-            <p:ph sz="quarter" idx="14"/>
-          </p:nvPr>
-        </p:nvSpPr>
-        <p:spPr>
-          <a:xfrm>
-            <a:off x="533400" y="6019800"/>
-            <a:ext cx="8077200" cy="623887"/>
-          </a:xfrm>
-        </p:spPr>
-        <p:txBody>
-          <a:bodyPr>
-            <a:normAutofit/>
-          </a:bodyPr>
-          <a:lstStyle/>
-          <a:p>
-            <a:r>
-              <a:rPr lang="pl-PL" dirty="0"/>
-              <a:t>Fitness vrednost dobijena za navedene parametre je </a:t>
-            </a:r>
-            <a:r>
-              <a:rPr lang="pl-PL" dirty="0">
+              <a:rPr lang="sr-Latn-RS" dirty="0" smtClean="0"/>
+              <a:t>  </a:t>
+            </a:r>
+            <a:r>
+              <a:rPr lang="en-US" dirty="0" smtClean="0"/>
+              <a:t> </a:t>
+            </a:r>
+            <a:r>
+              <a:rPr lang="sr-Latn-RS" dirty="0" smtClean="0"/>
+              <a:t>dobijeni izvršavanjem GA(SSE)</a:t>
+            </a:r>
+            <a:r>
+              <a:rPr lang="en-US" dirty="0" smtClean="0"/>
+              <a:t>:</a:t>
+            </a:r>
+            <a:endParaRPr lang="sr-Latn-RS" dirty="0" smtClean="0"/>
+          </a:p>
+          <a:p>
+            <a:endParaRPr lang="sr-Latn-RS" dirty="0" smtClean="0"/>
+          </a:p>
+          <a:p>
+            <a:r>
+              <a:rPr lang="sr-Latn-RS" dirty="0" smtClean="0"/>
+              <a:t>Veličina populacije 100, broj generacija 20, dobijena fitness vrednost  </a:t>
+            </a:r>
+            <a:r>
+              <a:rPr lang="sr-Latn-RS" dirty="0" smtClean="0">
                 <a:solidFill>
                   <a:srgbClr val="FF0000"/>
                 </a:solidFill>
               </a:rPr>
-              <a:t>0,002268748</a:t>
-            </a:r>
-            <a:r>
-              <a:rPr lang="pl-PL" dirty="0"/>
-              <a:t>. </a:t>
-            </a:r>
-            <a:endParaRPr lang="en-US" dirty="0"/>
+              <a:t>0.00057494</a:t>
+            </a:r>
+            <a:endParaRPr lang="en-US" dirty="0" smtClean="0">
+              <a:solidFill>
+                <a:srgbClr val="FF0000"/>
+              </a:solidFill>
+            </a:endParaRPr>
+          </a:p>
+          <a:p>
+            <a:pPr>
+              <a:buNone/>
+            </a:pPr>
+            <a:endParaRPr lang="en-US" dirty="0" smtClean="0">
+              <a:solidFill>
+                <a:srgbClr val="FF0000"/>
+              </a:solidFill>
+            </a:endParaRPr>
+          </a:p>
+          <a:p>
+            <a:pPr>
+              <a:buNone/>
+            </a:pPr>
+            <a:endParaRPr lang="en-US" dirty="0" smtClean="0">
+              <a:solidFill>
+                <a:srgbClr val="FF0000"/>
+              </a:solidFill>
+            </a:endParaRPr>
+          </a:p>
+          <a:p>
+            <a:pPr>
+              <a:buNone/>
+            </a:pPr>
+            <a:endParaRPr lang="en-US" dirty="0" smtClean="0">
+              <a:solidFill>
+                <a:srgbClr val="FF0000"/>
+              </a:solidFill>
+            </a:endParaRPr>
+          </a:p>
+          <a:p>
+            <a:pPr>
+              <a:buNone/>
+            </a:pPr>
+            <a:endParaRPr lang="en-US" dirty="0" smtClean="0">
+              <a:solidFill>
+                <a:srgbClr val="FF0000"/>
+              </a:solidFill>
+            </a:endParaRPr>
+          </a:p>
+          <a:p>
+            <a:pPr>
+              <a:buNone/>
+            </a:pPr>
+            <a:endParaRPr lang="en-US" dirty="0" smtClean="0">
+              <a:solidFill>
+                <a:srgbClr val="FF0000"/>
+              </a:solidFill>
+            </a:endParaRPr>
+          </a:p>
+          <a:p>
+            <a:pPr>
+              <a:buNone/>
+            </a:pPr>
+            <a:endParaRPr lang="en-US" dirty="0" smtClean="0">
+              <a:solidFill>
+                <a:srgbClr val="FF0000"/>
+              </a:solidFill>
+            </a:endParaRPr>
+          </a:p>
+          <a:p>
+            <a:pPr>
+              <a:buNone/>
+            </a:pPr>
+            <a:endParaRPr lang="en-US" dirty="0" smtClean="0">
+              <a:solidFill>
+                <a:srgbClr val="FF0000"/>
+              </a:solidFill>
+            </a:endParaRPr>
+          </a:p>
+          <a:p>
+            <a:pPr>
+              <a:buNone/>
+            </a:pPr>
+            <a:endParaRPr lang="en-US" dirty="0" smtClean="0">
+              <a:solidFill>
+                <a:srgbClr val="FF0000"/>
+              </a:solidFill>
+            </a:endParaRPr>
+          </a:p>
+          <a:p>
+            <a:pPr>
+              <a:buNone/>
+            </a:pPr>
+            <a:endParaRPr lang="en-US" dirty="0" smtClean="0">
+              <a:solidFill>
+                <a:srgbClr val="FF0000"/>
+              </a:solidFill>
+            </a:endParaRPr>
+          </a:p>
+          <a:p>
+            <a:pPr>
+              <a:buNone/>
+            </a:pPr>
+            <a:endParaRPr lang="en-US" dirty="0" smtClean="0">
+              <a:solidFill>
+                <a:srgbClr val="FF0000"/>
+              </a:solidFill>
+            </a:endParaRPr>
+          </a:p>
+          <a:p>
+            <a:pPr>
+              <a:buNone/>
+            </a:pPr>
+            <a:endParaRPr lang="en-US" dirty="0" smtClean="0">
+              <a:solidFill>
+                <a:srgbClr val="FF0000"/>
+              </a:solidFill>
+            </a:endParaRPr>
+          </a:p>
+          <a:p>
+            <a:pPr>
+              <a:buNone/>
+            </a:pPr>
+            <a:endParaRPr lang="en-US" dirty="0" smtClean="0"/>
+          </a:p>
+          <a:p>
+            <a:pPr>
+              <a:buNone/>
+            </a:pPr>
+            <a:r>
+              <a:rPr lang="en-US" dirty="0" smtClean="0"/>
+              <a:t>*</a:t>
+            </a:r>
+            <a:r>
+              <a:rPr lang="sr-Latn-RS" sz="2200" u="sng" dirty="0" smtClean="0"/>
+              <a:t>ljubičaste</a:t>
+            </a:r>
+            <a:r>
+              <a:rPr lang="sr-Latn-RS" sz="2200" dirty="0" smtClean="0"/>
+              <a:t> tačke označavaju centroide K</a:t>
+            </a:r>
+            <a:r>
+              <a:rPr lang="en-US" sz="2200" dirty="0" smtClean="0"/>
+              <a:t>m</a:t>
+            </a:r>
+            <a:r>
+              <a:rPr lang="sr-Latn-RS" sz="2200" dirty="0" smtClean="0"/>
+              <a:t>eans algoritma , </a:t>
+            </a:r>
+            <a:r>
+              <a:rPr lang="sr-Latn-RS" sz="2200" u="sng" dirty="0" smtClean="0"/>
+              <a:t>narandžaste</a:t>
+            </a:r>
+            <a:r>
+              <a:rPr lang="sr-Latn-RS" sz="2200" dirty="0" smtClean="0"/>
+              <a:t> tačke označavaju centre klastera GA.</a:t>
+            </a:r>
+            <a:endParaRPr lang="en-US" sz="2200" dirty="0"/>
           </a:p>
         </p:txBody>
       </p:sp>
       <p:pic>
         <p:nvPicPr>
-          <p:cNvPr id="5" name="Picture 4"/>
+          <p:cNvPr id="6" name="Content Placeholder 5" descr="sse100_20_nc3centers.png"/>
+          <p:cNvPicPr>
+            <a:picLocks noGrp="1" noChangeAspect="1"/>
+          </p:cNvPicPr>
+          <p:nvPr>
+            <p:ph sz="quarter" idx="14"/>
+          </p:nvPr>
+        </p:nvPicPr>
+        <p:blipFill>
+          <a:blip r:embed="rId2"/>
+          <a:stretch>
+            <a:fillRect/>
+          </a:stretch>
+        </p:blipFill>
+        <p:spPr>
+          <a:xfrm>
+            <a:off x="304800" y="2362200"/>
+            <a:ext cx="3810000" cy="3276600"/>
+          </a:xfrm>
+        </p:spPr>
+      </p:pic>
+      <p:pic>
+        <p:nvPicPr>
+          <p:cNvPr id="7" name="Picture 6" descr="sse100_20_nc3g.png"/>
           <p:cNvPicPr>
             <a:picLocks noChangeAspect="1"/>
           </p:cNvPicPr>
           <p:nvPr/>
         </p:nvPicPr>
         <p:blipFill>
-          <a:blip r:embed="rId2">
-            <a:extLst>
-              <a:ext uri="{28A0092B-C50C-407E-A947-70E740481C1C}">
-                <a14:useLocalDpi xmlns:a14="http://schemas.microsoft.com/office/drawing/2010/main" val="0"/>
-              </a:ext>
-            </a:extLst>
-          </a:blip>
+          <a:blip r:embed="rId3"/>
           <a:stretch>
             <a:fillRect/>
           </a:stretch>
         </p:blipFill>
         <p:spPr>
           <a:xfrm>
-            <a:off x="1981200" y="1752600"/>
-            <a:ext cx="5029200" cy="4108824"/>
+            <a:off x="4495800" y="2362200"/>
+            <a:ext cx="3962400" cy="3276600"/>
           </a:xfrm>
           <a:prstGeom prst="rect">
             <a:avLst/>
@@ -3505,7 +3639,7 @@
     </p:spTree>
     <p:extLst>
       <p:ext uri="{BB962C8B-B14F-4D97-AF65-F5344CB8AC3E}">
-        <p14:creationId xmlns:p14="http://schemas.microsoft.com/office/powerpoint/2010/main" val="612802552"/>
+        <p14:creationId xmlns:p14="http://schemas.microsoft.com/office/powerpoint/2010/main" xmlns="" val="612802552"/>
       </p:ext>
     </p:extLst>
   </p:cSld>
@@ -3546,13 +3680,13 @@
             <a:spLocks noGrp="1"/>
           </p:cNvSpPr>
           <p:nvPr>
-            <p:ph sz="quarter" idx="13"/>
+            <p:ph idx="1"/>
           </p:nvPr>
         </p:nvSpPr>
         <p:spPr>
           <a:xfrm>
-            <a:off x="609600" y="762000"/>
-            <a:ext cx="7467600" cy="1066800"/>
+            <a:off x="685800" y="762000"/>
+            <a:ext cx="7315200" cy="5791201"/>
           </a:xfrm>
         </p:spPr>
         <p:txBody>
@@ -3560,150 +3694,129 @@
           <a:lstStyle/>
           <a:p>
             <a:r>
-              <a:rPr lang="en-US" dirty="0"/>
-              <a:t>• </a:t>
-            </a:r>
-            <a:r>
-              <a:rPr lang="en-US" dirty="0" err="1"/>
+              <a:rPr lang="en-US" dirty="0" smtClean="0"/>
               <a:t>Rezultati</a:t>
             </a:r>
             <a:r>
-              <a:rPr lang="en-US" dirty="0"/>
-              <a:t> </a:t>
-            </a:r>
-            <a:r>
-              <a:rPr lang="en-US" dirty="0" err="1"/>
-              <a:t>dobijeni</a:t>
-            </a:r>
-            <a:r>
-              <a:rPr lang="en-US" dirty="0"/>
-              <a:t> </a:t>
-            </a:r>
-            <a:r>
-              <a:rPr lang="en-US" dirty="0" err="1"/>
-              <a:t>za</a:t>
-            </a:r>
-            <a:r>
-              <a:rPr lang="en-US" dirty="0"/>
-              <a:t> </a:t>
-            </a:r>
-            <a:r>
-              <a:rPr lang="en-US" dirty="0" err="1"/>
-              <a:t>veličinu</a:t>
-            </a:r>
-            <a:r>
-              <a:rPr lang="en-US" dirty="0"/>
-              <a:t> </a:t>
-            </a:r>
-            <a:r>
-              <a:rPr lang="en-US" dirty="0" err="1"/>
-              <a:t>populacije</a:t>
-            </a:r>
-            <a:r>
-              <a:rPr lang="en-US" dirty="0"/>
-              <a:t> 100 i </a:t>
-            </a:r>
-            <a:r>
-              <a:rPr lang="en-US" dirty="0" err="1"/>
-              <a:t>nepromenjene</a:t>
-            </a:r>
-            <a:r>
-              <a:rPr lang="en-US" dirty="0"/>
-              <a:t> </a:t>
-            </a:r>
-            <a:r>
-              <a:rPr lang="en-US" dirty="0" err="1"/>
-              <a:t>ostale</a:t>
-            </a:r>
-            <a:r>
-              <a:rPr lang="en-US" dirty="0"/>
-              <a:t> </a:t>
-            </a:r>
-            <a:r>
-              <a:rPr lang="en-US" dirty="0" err="1"/>
-              <a:t>parametre</a:t>
-            </a:r>
-            <a:r>
-              <a:rPr lang="en-US" dirty="0"/>
-              <a:t> GA:</a:t>
-            </a:r>
-          </a:p>
-        </p:txBody>
-      </p:sp>
-      <p:sp>
-        <p:nvSpPr>
-          <p:cNvPr id="4" name="Content Placeholder 3"/>
-          <p:cNvSpPr>
-            <a:spLocks noGrp="1"/>
-          </p:cNvSpPr>
-          <p:nvPr>
-            <p:ph sz="quarter" idx="14"/>
-          </p:nvPr>
-        </p:nvSpPr>
-        <p:spPr>
-          <a:xfrm>
-            <a:off x="533400" y="6019800"/>
-            <a:ext cx="8229600" cy="471487"/>
-          </a:xfrm>
-        </p:spPr>
-        <p:txBody>
-          <a:bodyPr>
-            <a:normAutofit/>
-          </a:bodyPr>
-          <a:lstStyle/>
-          <a:p>
-            <a:r>
-              <a:rPr lang="pl-PL" dirty="0"/>
-              <a:t>Fitness vrednost dobijena za navedene parametre je</a:t>
-            </a:r>
-            <a:r>
-              <a:rPr lang="pl-PL" dirty="0">
+              <a:rPr lang="sr-Latn-RS" dirty="0" smtClean="0"/>
+              <a:t>  </a:t>
+            </a:r>
+            <a:r>
+              <a:rPr lang="en-US" dirty="0" smtClean="0"/>
+              <a:t> </a:t>
+            </a:r>
+            <a:r>
+              <a:rPr lang="sr-Latn-RS" dirty="0" smtClean="0"/>
+              <a:t>dobijeni izvršavanjem GA(SSE)</a:t>
+            </a:r>
+            <a:r>
+              <a:rPr lang="en-US" dirty="0" smtClean="0"/>
+              <a:t>:</a:t>
+            </a:r>
+          </a:p>
+          <a:p>
+            <a:pPr>
+              <a:buNone/>
+            </a:pPr>
+            <a:endParaRPr lang="sr-Latn-RS" dirty="0" smtClean="0"/>
+          </a:p>
+          <a:p>
+            <a:r>
+              <a:rPr lang="sr-Latn-RS" dirty="0" smtClean="0"/>
+              <a:t>Veličina populacije </a:t>
+            </a:r>
+            <a:r>
+              <a:rPr lang="sr-Latn-RS" dirty="0" smtClean="0"/>
+              <a:t>200</a:t>
+            </a:r>
+            <a:r>
+              <a:rPr lang="sr-Latn-RS" dirty="0" smtClean="0"/>
+              <a:t>, broj generacija </a:t>
+            </a:r>
+            <a:r>
+              <a:rPr lang="sr-Latn-RS" dirty="0" smtClean="0"/>
+              <a:t>50</a:t>
+            </a:r>
+            <a:r>
+              <a:rPr lang="sr-Latn-RS" dirty="0" smtClean="0"/>
+              <a:t>, dobijena fitness vrednost  </a:t>
+            </a:r>
+            <a:r>
+              <a:rPr lang="sr-Latn-RS" dirty="0" smtClean="0">
                 <a:solidFill>
                   <a:srgbClr val="FF0000"/>
                 </a:solidFill>
               </a:rPr>
-              <a:t> </a:t>
-            </a:r>
-            <a:r>
-              <a:rPr lang="pl-PL" dirty="0" smtClean="0">
-                <a:solidFill>
-                  <a:srgbClr val="FF0000"/>
-                </a:solidFill>
-              </a:rPr>
-              <a:t>0,0024967609</a:t>
-            </a:r>
-            <a:endParaRPr lang="en-US" dirty="0">
+              <a:t>0.000622776.</a:t>
+            </a:r>
+          </a:p>
+          <a:p>
+            <a:endParaRPr lang="sr-Latn-RS" dirty="0" smtClean="0">
               <a:solidFill>
                 <a:srgbClr val="FF0000"/>
               </a:solidFill>
             </a:endParaRPr>
           </a:p>
+          <a:p>
+            <a:endParaRPr lang="en-US" dirty="0" smtClean="0">
+              <a:solidFill>
+                <a:srgbClr val="FF0000"/>
+              </a:solidFill>
+            </a:endParaRPr>
+          </a:p>
+          <a:p>
+            <a:endParaRPr lang="sr-Latn-RS" dirty="0" smtClean="0"/>
+          </a:p>
+          <a:p>
+            <a:pPr>
+              <a:buNone/>
+            </a:pPr>
+            <a:endParaRPr lang="en-US" dirty="0"/>
+          </a:p>
         </p:txBody>
       </p:sp>
       <p:pic>
         <p:nvPicPr>
-          <p:cNvPr id="5" name="Picture 4"/>
+          <p:cNvPr id="4" name="Picture 3" descr="sse200_50_nc3centers.png"/>
           <p:cNvPicPr>
             <a:picLocks noChangeAspect="1"/>
           </p:cNvPicPr>
           <p:nvPr/>
         </p:nvPicPr>
         <p:blipFill>
-          <a:blip r:embed="rId2">
-            <a:extLst>
-              <a:ext uri="{28A0092B-C50C-407E-A947-70E740481C1C}">
-                <a14:useLocalDpi xmlns:a14="http://schemas.microsoft.com/office/drawing/2010/main" val="0"/>
-              </a:ext>
-            </a:extLst>
-          </a:blip>
+          <a:blip r:embed="rId2"/>
           <a:stretch>
             <a:fillRect/>
           </a:stretch>
         </p:blipFill>
         <p:spPr>
           <a:xfrm>
-            <a:off x="2057400" y="1644396"/>
-            <a:ext cx="5181324" cy="4131659"/>
+            <a:off x="533400" y="2362200"/>
+            <a:ext cx="4038600" cy="3824714"/>
+          </a:xfrm>
+          <a:prstGeom prst="rect">
+            <a:avLst/>
+          </a:prstGeom>
+        </p:spPr>
+      </p:pic>
+      <p:pic>
+        <p:nvPicPr>
+          <p:cNvPr id="5" name="Picture 4" descr="sse200_50_nc3g.png"/>
+          <p:cNvPicPr>
+            <a:picLocks noChangeAspect="1"/>
+          </p:cNvPicPr>
+          <p:nvPr/>
+        </p:nvPicPr>
+        <p:blipFill>
+          <a:blip r:embed="rId3"/>
+          <a:stretch>
+            <a:fillRect/>
+          </a:stretch>
+        </p:blipFill>
+        <p:spPr>
+          <a:xfrm>
+            <a:off x="4876800" y="2362200"/>
+            <a:ext cx="4038600" cy="3834241"/>
           </a:xfrm>
           <a:prstGeom prst="rect">
             <a:avLst/>
@@ -3711,22 +3824,10 @@
         </p:spPr>
       </p:pic>
     </p:spTree>
-    <p:extLst>
-      <p:ext uri="{BB962C8B-B14F-4D97-AF65-F5344CB8AC3E}">
-        <p14:creationId xmlns:p14="http://schemas.microsoft.com/office/powerpoint/2010/main" val="1673844940"/>
-      </p:ext>
-    </p:extLst>
   </p:cSld>
   <p:clrMapOvr>
     <a:masterClrMapping/>
   </p:clrMapOvr>
-  <p:timing>
-    <p:tnLst>
-      <p:par>
-        <p:cTn id="1" dur="indefinite" restart="never" nodeType="tmRoot"/>
-      </p:par>
-    </p:tnLst>
-  </p:timing>
 </p:sld>
 </file>
 
@@ -3749,18 +3850,18 @@
       </p:grpSpPr>
       <p:sp>
         <p:nvSpPr>
-          <p:cNvPr id="2" name="Title 1"/>
-          <p:cNvSpPr>
-            <a:spLocks noGrp="1"/>
-          </p:cNvSpPr>
-          <p:nvPr>
-            <p:ph type="title"/>
+          <p:cNvPr id="3" name="Content Placeholder 2"/>
+          <p:cNvSpPr>
+            <a:spLocks noGrp="1"/>
+          </p:cNvSpPr>
+          <p:nvPr>
+            <p:ph idx="1"/>
           </p:nvPr>
         </p:nvSpPr>
         <p:spPr>
           <a:xfrm>
-            <a:off x="838200" y="304800"/>
-            <a:ext cx="7315200" cy="1154097"/>
+            <a:off x="533400" y="381001"/>
+            <a:ext cx="8077200" cy="5928360"/>
           </a:xfrm>
         </p:spPr>
         <p:txBody>
@@ -3768,319 +3869,135 @@
           <a:lstStyle/>
           <a:p>
             <a:r>
-              <a:rPr lang="en-US" dirty="0" err="1"/>
-              <a:t>Zaključak</a:t>
-            </a:r>
-            <a:r>
-              <a:rPr lang="en-US" dirty="0"/>
-              <a:t> </a:t>
-            </a:r>
-          </a:p>
-        </p:txBody>
-      </p:sp>
-      <p:sp>
-        <p:nvSpPr>
-          <p:cNvPr id="3" name="Content Placeholder 2"/>
-          <p:cNvSpPr>
-            <a:spLocks noGrp="1"/>
-          </p:cNvSpPr>
-          <p:nvPr>
-            <p:ph idx="1"/>
-          </p:nvPr>
-        </p:nvSpPr>
-        <p:spPr/>
-        <p:txBody>
-          <a:bodyPr/>
-          <a:lstStyle/>
+              <a:rPr lang="en-US" sz="2400" dirty="0" smtClean="0"/>
+              <a:t>Rezultati</a:t>
+            </a:r>
+            <a:r>
+              <a:rPr lang="sr-Latn-RS" sz="2400" dirty="0" smtClean="0"/>
+              <a:t>  </a:t>
+            </a:r>
+            <a:r>
+              <a:rPr lang="en-US" sz="2400" dirty="0" smtClean="0"/>
+              <a:t> </a:t>
+            </a:r>
+            <a:r>
+              <a:rPr lang="sr-Latn-RS" sz="2400" dirty="0" smtClean="0"/>
+              <a:t>dobijeni izvršavanjem GA(SSE)</a:t>
+            </a:r>
+            <a:r>
+              <a:rPr lang="en-US" sz="2400" dirty="0" smtClean="0"/>
+              <a:t>:</a:t>
+            </a:r>
+          </a:p>
           <a:p>
             <a:pPr>
-              <a:lnSpc>
-                <a:spcPct val="150000"/>
-              </a:lnSpc>
-              <a:spcAft>
-                <a:spcPts val="600"/>
-              </a:spcAft>
+              <a:buNone/>
             </a:pPr>
-            <a:r>
-              <a:rPr lang="en-US" dirty="0"/>
-              <a:t>Na </a:t>
-            </a:r>
-            <a:r>
-              <a:rPr lang="en-US" dirty="0" err="1"/>
-              <a:t>osnovu</a:t>
-            </a:r>
-            <a:r>
-              <a:rPr lang="en-US" dirty="0"/>
-              <a:t> </a:t>
-            </a:r>
-            <a:r>
-              <a:rPr lang="en-US" dirty="0" err="1"/>
-              <a:t>prethodne</a:t>
-            </a:r>
-            <a:r>
-              <a:rPr lang="en-US" dirty="0"/>
-              <a:t> </a:t>
-            </a:r>
-            <a:r>
-              <a:rPr lang="en-US" dirty="0" err="1"/>
-              <a:t>analize</a:t>
-            </a:r>
-            <a:r>
-              <a:rPr lang="en-US" dirty="0"/>
-              <a:t> </a:t>
-            </a:r>
-            <a:r>
-              <a:rPr lang="en-US" dirty="0" err="1"/>
-              <a:t>možemo</a:t>
-            </a:r>
-            <a:r>
-              <a:rPr lang="en-US" dirty="0"/>
-              <a:t> </a:t>
-            </a:r>
-            <a:r>
-              <a:rPr lang="en-US" dirty="0" err="1"/>
-              <a:t>doći</a:t>
-            </a:r>
-            <a:r>
-              <a:rPr lang="en-US" dirty="0"/>
-              <a:t> do </a:t>
-            </a:r>
-            <a:r>
-              <a:rPr lang="en-US" dirty="0" err="1"/>
-              <a:t>zaključka</a:t>
-            </a:r>
-            <a:r>
-              <a:rPr lang="en-US" dirty="0"/>
-              <a:t> da </a:t>
-            </a:r>
-            <a:r>
-              <a:rPr lang="en-US" dirty="0" err="1"/>
-              <a:t>povećanjem</a:t>
-            </a:r>
-            <a:r>
-              <a:rPr lang="en-US" dirty="0"/>
-              <a:t> </a:t>
-            </a:r>
-            <a:r>
-              <a:rPr lang="en-US" dirty="0" err="1"/>
-              <a:t>broja</a:t>
-            </a:r>
-            <a:r>
-              <a:rPr lang="en-US" dirty="0"/>
-              <a:t> </a:t>
-            </a:r>
-            <a:r>
-              <a:rPr lang="en-US" dirty="0" err="1"/>
-              <a:t>jedinki</a:t>
-            </a:r>
-            <a:r>
-              <a:rPr lang="en-US" dirty="0"/>
-              <a:t> </a:t>
-            </a:r>
-            <a:r>
-              <a:rPr lang="en-US" dirty="0" err="1"/>
-              <a:t>unutar</a:t>
-            </a:r>
-            <a:r>
-              <a:rPr lang="en-US" dirty="0"/>
-              <a:t> </a:t>
-            </a:r>
-            <a:r>
-              <a:rPr lang="en-US" dirty="0" err="1"/>
-              <a:t>populacije</a:t>
-            </a:r>
-            <a:r>
-              <a:rPr lang="en-US" dirty="0"/>
-              <a:t> </a:t>
-            </a:r>
-            <a:r>
-              <a:rPr lang="en-US" dirty="0" err="1"/>
-              <a:t>poboljšava</a:t>
-            </a:r>
-            <a:r>
-              <a:rPr lang="en-US" dirty="0"/>
-              <a:t> se i </a:t>
-            </a:r>
-            <a:r>
-              <a:rPr lang="en-US" dirty="0" err="1"/>
-              <a:t>kvalitet</a:t>
-            </a:r>
-            <a:r>
-              <a:rPr lang="en-US" dirty="0"/>
-              <a:t> (fitness </a:t>
-            </a:r>
-            <a:r>
-              <a:rPr lang="en-US" dirty="0" err="1"/>
-              <a:t>vrednost</a:t>
-            </a:r>
-            <a:r>
-              <a:rPr lang="en-US" dirty="0"/>
-              <a:t>) </a:t>
-            </a:r>
-            <a:r>
-              <a:rPr lang="en-US" dirty="0" err="1"/>
-              <a:t>rešenja</a:t>
-            </a:r>
-            <a:r>
-              <a:rPr lang="en-US" dirty="0"/>
-              <a:t> </a:t>
-            </a:r>
-            <a:r>
-              <a:rPr lang="en-US" dirty="0" err="1"/>
-              <a:t>samog</a:t>
-            </a:r>
-            <a:r>
-              <a:rPr lang="en-US" dirty="0"/>
-              <a:t> </a:t>
-            </a:r>
-            <a:r>
-              <a:rPr lang="en-US" dirty="0" err="1"/>
-              <a:t>algoritma</a:t>
-            </a:r>
-            <a:r>
-              <a:rPr lang="en-US" dirty="0"/>
-              <a:t> i </a:t>
-            </a:r>
-            <a:r>
-              <a:rPr lang="en-US" dirty="0" err="1"/>
-              <a:t>dobijeno</a:t>
-            </a:r>
-            <a:r>
-              <a:rPr lang="en-US" dirty="0"/>
-              <a:t> </a:t>
-            </a:r>
-            <a:r>
-              <a:rPr lang="en-US" dirty="0" err="1"/>
-              <a:t>rešenje</a:t>
-            </a:r>
-            <a:r>
-              <a:rPr lang="en-US" dirty="0"/>
-              <a:t> </a:t>
-            </a:r>
-            <a:r>
-              <a:rPr lang="en-US" dirty="0" err="1"/>
-              <a:t>veoma</a:t>
-            </a:r>
-            <a:r>
-              <a:rPr lang="en-US" dirty="0"/>
-              <a:t> je </a:t>
-            </a:r>
-            <a:r>
-              <a:rPr lang="en-US" dirty="0" err="1"/>
-              <a:t>blizu</a:t>
-            </a:r>
-            <a:r>
-              <a:rPr lang="en-US" dirty="0"/>
-              <a:t> </a:t>
-            </a:r>
-            <a:r>
-              <a:rPr lang="en-US" dirty="0" err="1"/>
-              <a:t>rešenja</a:t>
-            </a:r>
-            <a:r>
-              <a:rPr lang="en-US" dirty="0"/>
-              <a:t> </a:t>
-            </a:r>
-            <a:r>
-              <a:rPr lang="en-US" dirty="0" err="1"/>
-              <a:t>uporednog</a:t>
-            </a:r>
-            <a:r>
-              <a:rPr lang="en-US" dirty="0"/>
-              <a:t> </a:t>
-            </a:r>
-            <a:r>
-              <a:rPr lang="en-US" dirty="0" err="1"/>
-              <a:t>algoritma</a:t>
-            </a:r>
-            <a:r>
-              <a:rPr lang="en-US" dirty="0"/>
-              <a:t>(K means </a:t>
-            </a:r>
-            <a:r>
-              <a:rPr lang="en-US" dirty="0" err="1"/>
-              <a:t>algoritma</a:t>
-            </a:r>
-            <a:r>
-              <a:rPr lang="en-US" dirty="0"/>
-              <a:t>) </a:t>
-            </a:r>
-            <a:r>
-              <a:rPr lang="en-US" dirty="0" err="1"/>
-              <a:t>koji</a:t>
-            </a:r>
-            <a:r>
-              <a:rPr lang="en-US" dirty="0"/>
-              <a:t> u </a:t>
-            </a:r>
-            <a:r>
-              <a:rPr lang="en-US" dirty="0" err="1"/>
-              <a:t>najvećem</a:t>
-            </a:r>
-            <a:r>
-              <a:rPr lang="en-US" dirty="0"/>
-              <a:t> </a:t>
-            </a:r>
-            <a:r>
-              <a:rPr lang="en-US" dirty="0" err="1"/>
-              <a:t>broju</a:t>
-            </a:r>
-            <a:r>
-              <a:rPr lang="en-US" dirty="0"/>
-              <a:t> </a:t>
-            </a:r>
-            <a:r>
-              <a:rPr lang="en-US" dirty="0" err="1"/>
-              <a:t>slučajeva</a:t>
-            </a:r>
-            <a:r>
-              <a:rPr lang="en-US" dirty="0"/>
-              <a:t> </a:t>
-            </a:r>
-            <a:r>
-              <a:rPr lang="en-US" dirty="0" err="1"/>
-              <a:t>daje</a:t>
-            </a:r>
-            <a:r>
-              <a:rPr lang="en-US" dirty="0"/>
-              <a:t> </a:t>
-            </a:r>
-            <a:r>
-              <a:rPr lang="en-US" dirty="0" err="1"/>
-              <a:t>optimalno</a:t>
-            </a:r>
-            <a:r>
-              <a:rPr lang="en-US" dirty="0"/>
-              <a:t> </a:t>
-            </a:r>
-            <a:r>
-              <a:rPr lang="en-US" dirty="0" err="1"/>
-              <a:t>rešenje</a:t>
-            </a:r>
-            <a:r>
-              <a:rPr lang="en-US" dirty="0"/>
+            <a:endParaRPr lang="sr-Latn-RS" sz="2400" dirty="0" smtClean="0"/>
+          </a:p>
+          <a:p>
+            <a:r>
+              <a:rPr lang="sr-Latn-RS" sz="2400" dirty="0" smtClean="0"/>
+              <a:t>Veličina populacije </a:t>
+            </a:r>
+            <a:r>
+              <a:rPr lang="en-US" sz="2400" dirty="0" smtClean="0"/>
+              <a:t>3</a:t>
+            </a:r>
+            <a:r>
+              <a:rPr lang="sr-Latn-RS" sz="2400" dirty="0" smtClean="0"/>
+              <a:t>00, broj generacija </a:t>
+            </a:r>
+            <a:r>
+              <a:rPr lang="en-US" sz="2400" dirty="0" smtClean="0"/>
+              <a:t>10</a:t>
+            </a:r>
+            <a:r>
+              <a:rPr lang="sr-Latn-RS" sz="2400" dirty="0" smtClean="0"/>
+              <a:t>0, dobijena fitness vrednost  </a:t>
+            </a:r>
+            <a:r>
+              <a:rPr lang="en-US" sz="2400" dirty="0" smtClean="0">
+                <a:solidFill>
+                  <a:srgbClr val="FF0000"/>
+                </a:solidFill>
+              </a:rPr>
+              <a:t>0.000631328</a:t>
+            </a:r>
+            <a:r>
+              <a:rPr lang="sr-Latn-RS" sz="2400" dirty="0" smtClean="0">
+                <a:solidFill>
+                  <a:srgbClr val="FF0000"/>
+                </a:solidFill>
+              </a:rPr>
               <a:t>.</a:t>
             </a:r>
           </a:p>
-        </p:txBody>
-      </p:sp>
+          <a:p>
+            <a:pPr>
+              <a:buNone/>
+            </a:pPr>
+            <a:endParaRPr lang="en-US" dirty="0"/>
+          </a:p>
+        </p:txBody>
+      </p:sp>
+      <p:pic>
+        <p:nvPicPr>
+          <p:cNvPr id="4098" name="Picture 2" descr="C:\Users\Ermin\Desktop\ri\RI_projekat\ss\sse300_100_nc3g.png"/>
+          <p:cNvPicPr>
+            <a:picLocks noChangeAspect="1" noChangeArrowheads="1"/>
+          </p:cNvPicPr>
+          <p:nvPr/>
+        </p:nvPicPr>
+        <p:blipFill>
+          <a:blip r:embed="rId2"/>
+          <a:srcRect/>
+          <a:stretch>
+            <a:fillRect/>
+          </a:stretch>
+        </p:blipFill>
+        <p:spPr bwMode="auto">
+          <a:xfrm>
+            <a:off x="4876800" y="2667000"/>
+            <a:ext cx="3962118" cy="3276600"/>
+          </a:xfrm>
+          <a:prstGeom prst="rect">
+            <a:avLst/>
+          </a:prstGeom>
+          <a:noFill/>
+        </p:spPr>
+      </p:pic>
+      <p:pic>
+        <p:nvPicPr>
+          <p:cNvPr id="4099" name="Picture 3" descr="C:\Users\Ermin\Desktop\ri\RI_projekat\ss\sse300_100_nc3centers.png"/>
+          <p:cNvPicPr>
+            <a:picLocks noChangeAspect="1" noChangeArrowheads="1"/>
+          </p:cNvPicPr>
+          <p:nvPr/>
+        </p:nvPicPr>
+        <p:blipFill>
+          <a:blip r:embed="rId3"/>
+          <a:srcRect/>
+          <a:stretch>
+            <a:fillRect/>
+          </a:stretch>
+        </p:blipFill>
+        <p:spPr bwMode="auto">
+          <a:xfrm>
+            <a:off x="457200" y="2667000"/>
+            <a:ext cx="4145616" cy="3279775"/>
+          </a:xfrm>
+          <a:prstGeom prst="rect">
+            <a:avLst/>
+          </a:prstGeom>
+          <a:noFill/>
+        </p:spPr>
+      </p:pic>
     </p:spTree>
-    <p:extLst>
-      <p:ext uri="{BB962C8B-B14F-4D97-AF65-F5344CB8AC3E}">
-        <p14:creationId xmlns:p14="http://schemas.microsoft.com/office/powerpoint/2010/main" val="1536250324"/>
-      </p:ext>
-    </p:extLst>
   </p:cSld>
   <p:clrMapOvr>
     <a:masterClrMapping/>
   </p:clrMapOvr>
-  <p:timing>
-    <p:tnLst>
-      <p:par>
-        <p:cTn id="1" dur="indefinite" restart="never" nodeType="tmRoot"/>
-      </p:par>
-    </p:tnLst>
-  </p:timing>
 </p:sld>
 </file>
 
@@ -4103,6 +4020,865 @@
       </p:grpSpPr>
       <p:sp>
         <p:nvSpPr>
+          <p:cNvPr id="3" name="Content Placeholder 2"/>
+          <p:cNvSpPr>
+            <a:spLocks noGrp="1"/>
+          </p:cNvSpPr>
+          <p:nvPr>
+            <p:ph idx="1"/>
+          </p:nvPr>
+        </p:nvSpPr>
+        <p:spPr>
+          <a:xfrm>
+            <a:off x="457200" y="685800"/>
+            <a:ext cx="7772400" cy="5623561"/>
+          </a:xfrm>
+        </p:spPr>
+        <p:txBody>
+          <a:bodyPr/>
+          <a:lstStyle/>
+          <a:p>
+            <a:r>
+              <a:rPr lang="sr-Latn-RS" dirty="0" smtClean="0"/>
+              <a:t>Vrednost silhouette score-a za K-Mens  </a:t>
+            </a:r>
+            <a:r>
+              <a:rPr lang="sr-Latn-RS" dirty="0" smtClean="0">
+                <a:solidFill>
+                  <a:srgbClr val="92D050"/>
+                </a:solidFill>
+              </a:rPr>
+              <a:t>0,28485</a:t>
+            </a:r>
+          </a:p>
+          <a:p>
+            <a:r>
+              <a:rPr lang="en-US" dirty="0" smtClean="0"/>
+              <a:t>Rezultati</a:t>
+            </a:r>
+            <a:r>
+              <a:rPr lang="sr-Latn-RS" dirty="0" smtClean="0"/>
+              <a:t>  dobijeni </a:t>
+            </a:r>
+            <a:r>
+              <a:rPr lang="sr-Latn-RS" dirty="0" smtClean="0"/>
+              <a:t>izvršavanjem </a:t>
+            </a:r>
+            <a:r>
+              <a:rPr lang="sr-Latn-RS" dirty="0" smtClean="0"/>
+              <a:t>GA(silhouette score)</a:t>
+            </a:r>
+            <a:r>
+              <a:rPr lang="en-US" dirty="0" smtClean="0"/>
+              <a:t>:</a:t>
+            </a:r>
+            <a:endParaRPr lang="sr-Latn-RS" dirty="0" smtClean="0"/>
+          </a:p>
+          <a:p>
+            <a:pPr>
+              <a:buNone/>
+            </a:pPr>
+            <a:r>
+              <a:rPr lang="sr-Latn-RS" dirty="0" smtClean="0"/>
+              <a:t>  Veličina </a:t>
+            </a:r>
+            <a:r>
+              <a:rPr lang="sr-Latn-RS" dirty="0" smtClean="0"/>
+              <a:t>populacije </a:t>
+            </a:r>
+            <a:r>
+              <a:rPr lang="sr-Latn-RS" dirty="0" smtClean="0"/>
+              <a:t>100, </a:t>
+            </a:r>
+            <a:r>
+              <a:rPr lang="sr-Latn-RS" dirty="0" smtClean="0"/>
+              <a:t>broj generacija </a:t>
+            </a:r>
+            <a:r>
+              <a:rPr lang="sr-Latn-RS" dirty="0" smtClean="0"/>
+              <a:t>20</a:t>
+            </a:r>
+            <a:r>
+              <a:rPr lang="sr-Latn-RS" dirty="0" smtClean="0"/>
+              <a:t>, dobijena fitness </a:t>
+            </a:r>
+            <a:r>
+              <a:rPr lang="sr-Latn-RS" dirty="0" smtClean="0"/>
+              <a:t>vrednost  </a:t>
+            </a:r>
+            <a:r>
+              <a:rPr lang="sr-Latn-RS" dirty="0" smtClean="0">
+                <a:solidFill>
+                  <a:srgbClr val="FF0000"/>
+                </a:solidFill>
+              </a:rPr>
+              <a:t>0,27335</a:t>
+            </a:r>
+            <a:endParaRPr lang="sr-Latn-RS" dirty="0" smtClean="0">
+              <a:solidFill>
+                <a:srgbClr val="FF0000"/>
+              </a:solidFill>
+            </a:endParaRPr>
+          </a:p>
+          <a:p>
+            <a:endParaRPr lang="en-US" dirty="0"/>
+          </a:p>
+        </p:txBody>
+      </p:sp>
+      <p:pic>
+        <p:nvPicPr>
+          <p:cNvPr id="1026" name="Picture 2" descr="C:\Users\Ermin\Desktop\ri\RI_projekat\ss\sil100_20_nc3centers.png"/>
+          <p:cNvPicPr>
+            <a:picLocks noChangeAspect="1" noChangeArrowheads="1"/>
+          </p:cNvPicPr>
+          <p:nvPr/>
+        </p:nvPicPr>
+        <p:blipFill>
+          <a:blip r:embed="rId2"/>
+          <a:srcRect/>
+          <a:stretch>
+            <a:fillRect/>
+          </a:stretch>
+        </p:blipFill>
+        <p:spPr bwMode="auto">
+          <a:xfrm>
+            <a:off x="304800" y="2514600"/>
+            <a:ext cx="4267200" cy="3505200"/>
+          </a:xfrm>
+          <a:prstGeom prst="rect">
+            <a:avLst/>
+          </a:prstGeom>
+          <a:noFill/>
+        </p:spPr>
+      </p:pic>
+      <p:pic>
+        <p:nvPicPr>
+          <p:cNvPr id="1027" name="Picture 3" descr="C:\Users\Ermin\Desktop\ri\RI_projekat\ss\sil100_20_nc3g.png"/>
+          <p:cNvPicPr>
+            <a:picLocks noChangeAspect="1" noChangeArrowheads="1"/>
+          </p:cNvPicPr>
+          <p:nvPr/>
+        </p:nvPicPr>
+        <p:blipFill>
+          <a:blip r:embed="rId3"/>
+          <a:srcRect/>
+          <a:stretch>
+            <a:fillRect/>
+          </a:stretch>
+        </p:blipFill>
+        <p:spPr bwMode="auto">
+          <a:xfrm>
+            <a:off x="4724400" y="2514600"/>
+            <a:ext cx="4191001" cy="3505200"/>
+          </a:xfrm>
+          <a:prstGeom prst="rect">
+            <a:avLst/>
+          </a:prstGeom>
+          <a:noFill/>
+        </p:spPr>
+      </p:pic>
+    </p:spTree>
+  </p:cSld>
+  <p:clrMapOvr>
+    <a:masterClrMapping/>
+  </p:clrMapOvr>
+</p:sld>
+</file>
+
+<file path=ppt/slides/slide14.xml><?xml version="1.0" encoding="utf-8"?>
+<p:sld xmlns:a="http://schemas.openxmlformats.org/drawingml/2006/main" xmlns:r="http://schemas.openxmlformats.org/officeDocument/2006/relationships" xmlns:p="http://schemas.openxmlformats.org/presentationml/2006/main">
+  <p:cSld>
+    <p:spTree>
+      <p:nvGrpSpPr>
+        <p:cNvPr id="1" name=""/>
+        <p:cNvGrpSpPr/>
+        <p:nvPr/>
+      </p:nvGrpSpPr>
+      <p:grpSpPr>
+        <a:xfrm>
+          <a:off x="0" y="0"/>
+          <a:ext cx="0" cy="0"/>
+          <a:chOff x="0" y="0"/>
+          <a:chExt cx="0" cy="0"/>
+        </a:xfrm>
+      </p:grpSpPr>
+      <p:sp>
+        <p:nvSpPr>
+          <p:cNvPr id="3" name="Content Placeholder 2"/>
+          <p:cNvSpPr>
+            <a:spLocks noGrp="1"/>
+          </p:cNvSpPr>
+          <p:nvPr>
+            <p:ph idx="1"/>
+          </p:nvPr>
+        </p:nvSpPr>
+        <p:spPr>
+          <a:xfrm>
+            <a:off x="304800" y="533401"/>
+            <a:ext cx="8382000" cy="5775960"/>
+          </a:xfrm>
+        </p:spPr>
+        <p:txBody>
+          <a:bodyPr/>
+          <a:lstStyle/>
+          <a:p>
+            <a:r>
+              <a:rPr lang="en-US" sz="2400" dirty="0" smtClean="0"/>
+              <a:t>Rezultati</a:t>
+            </a:r>
+            <a:r>
+              <a:rPr lang="sr-Latn-RS" sz="2400" dirty="0" smtClean="0"/>
+              <a:t>  dobijeni izvršavanjem GA(silhouette score)</a:t>
+            </a:r>
+            <a:r>
+              <a:rPr lang="en-US" sz="2400" dirty="0" smtClean="0"/>
+              <a:t>:</a:t>
+            </a:r>
+            <a:endParaRPr lang="sr-Latn-RS" sz="2400" dirty="0" smtClean="0"/>
+          </a:p>
+          <a:p>
+            <a:pPr>
+              <a:buNone/>
+            </a:pPr>
+            <a:r>
+              <a:rPr lang="sr-Latn-RS" dirty="0" smtClean="0"/>
+              <a:t>  </a:t>
+            </a:r>
+            <a:r>
+              <a:rPr lang="sr-Latn-RS" sz="2400" dirty="0" smtClean="0"/>
+              <a:t>Veličina populacije </a:t>
+            </a:r>
+            <a:r>
+              <a:rPr lang="sr-Latn-RS" sz="2400" dirty="0" smtClean="0"/>
+              <a:t>200, </a:t>
+            </a:r>
+            <a:r>
+              <a:rPr lang="sr-Latn-RS" sz="2400" dirty="0" smtClean="0"/>
+              <a:t>broj generacija 5</a:t>
+            </a:r>
+            <a:r>
+              <a:rPr lang="sr-Latn-RS" sz="2400" dirty="0" smtClean="0"/>
+              <a:t>0</a:t>
+            </a:r>
+            <a:r>
+              <a:rPr lang="sr-Latn-RS" sz="2400" dirty="0" smtClean="0"/>
+              <a:t>, dobijena fitness vrednost  </a:t>
+            </a:r>
+            <a:r>
+              <a:rPr lang="sr-Latn-RS" sz="2400" dirty="0" smtClean="0">
+                <a:solidFill>
+                  <a:srgbClr val="FF0000"/>
+                </a:solidFill>
+              </a:rPr>
+              <a:t>0,28471</a:t>
+            </a:r>
+            <a:endParaRPr lang="sr-Latn-RS" sz="2400" dirty="0" smtClean="0">
+              <a:solidFill>
+                <a:srgbClr val="FF0000"/>
+              </a:solidFill>
+            </a:endParaRPr>
+          </a:p>
+          <a:p>
+            <a:endParaRPr lang="sr-Latn-RS" dirty="0" smtClean="0"/>
+          </a:p>
+          <a:p>
+            <a:pPr>
+              <a:buNone/>
+            </a:pPr>
+            <a:endParaRPr lang="sr-Latn-RS" dirty="0" smtClean="0"/>
+          </a:p>
+        </p:txBody>
+      </p:sp>
+      <p:pic>
+        <p:nvPicPr>
+          <p:cNvPr id="2050" name="Picture 2" descr="C:\Users\Ermin\Desktop\ri\RI_projekat\ss\sil200_50_nc3centers.png"/>
+          <p:cNvPicPr>
+            <a:picLocks noChangeAspect="1" noChangeArrowheads="1"/>
+          </p:cNvPicPr>
+          <p:nvPr/>
+        </p:nvPicPr>
+        <p:blipFill>
+          <a:blip r:embed="rId2"/>
+          <a:srcRect/>
+          <a:stretch>
+            <a:fillRect/>
+          </a:stretch>
+        </p:blipFill>
+        <p:spPr bwMode="auto">
+          <a:xfrm>
+            <a:off x="228600" y="2286000"/>
+            <a:ext cx="4191000" cy="3509963"/>
+          </a:xfrm>
+          <a:prstGeom prst="rect">
+            <a:avLst/>
+          </a:prstGeom>
+          <a:noFill/>
+        </p:spPr>
+      </p:pic>
+      <p:pic>
+        <p:nvPicPr>
+          <p:cNvPr id="2051" name="Picture 3" descr="C:\Users\Ermin\Desktop\ri\RI_projekat\ss\sil200_50_nc3g.png"/>
+          <p:cNvPicPr>
+            <a:picLocks noChangeAspect="1" noChangeArrowheads="1"/>
+          </p:cNvPicPr>
+          <p:nvPr/>
+        </p:nvPicPr>
+        <p:blipFill>
+          <a:blip r:embed="rId3"/>
+          <a:srcRect/>
+          <a:stretch>
+            <a:fillRect/>
+          </a:stretch>
+        </p:blipFill>
+        <p:spPr bwMode="auto">
+          <a:xfrm>
+            <a:off x="4726898" y="2286000"/>
+            <a:ext cx="4112302" cy="3509963"/>
+          </a:xfrm>
+          <a:prstGeom prst="rect">
+            <a:avLst/>
+          </a:prstGeom>
+          <a:noFill/>
+        </p:spPr>
+      </p:pic>
+    </p:spTree>
+  </p:cSld>
+  <p:clrMapOvr>
+    <a:masterClrMapping/>
+  </p:clrMapOvr>
+</p:sld>
+</file>
+
+<file path=ppt/slides/slide15.xml><?xml version="1.0" encoding="utf-8"?>
+<p:sld xmlns:a="http://schemas.openxmlformats.org/drawingml/2006/main" xmlns:r="http://schemas.openxmlformats.org/officeDocument/2006/relationships" xmlns:p="http://schemas.openxmlformats.org/presentationml/2006/main">
+  <p:cSld>
+    <p:spTree>
+      <p:nvGrpSpPr>
+        <p:cNvPr id="1" name=""/>
+        <p:cNvGrpSpPr/>
+        <p:nvPr/>
+      </p:nvGrpSpPr>
+      <p:grpSpPr>
+        <a:xfrm>
+          <a:off x="0" y="0"/>
+          <a:ext cx="0" cy="0"/>
+          <a:chOff x="0" y="0"/>
+          <a:chExt cx="0" cy="0"/>
+        </a:xfrm>
+      </p:grpSpPr>
+      <p:sp>
+        <p:nvSpPr>
+          <p:cNvPr id="3" name="Content Placeholder 2"/>
+          <p:cNvSpPr>
+            <a:spLocks noGrp="1"/>
+          </p:cNvSpPr>
+          <p:nvPr>
+            <p:ph idx="1"/>
+          </p:nvPr>
+        </p:nvSpPr>
+        <p:spPr>
+          <a:xfrm>
+            <a:off x="304800" y="533399"/>
+            <a:ext cx="8305800" cy="5775961"/>
+          </a:xfrm>
+        </p:spPr>
+        <p:txBody>
+          <a:bodyPr/>
+          <a:lstStyle/>
+          <a:p>
+            <a:r>
+              <a:rPr lang="en-US" sz="2400" dirty="0" smtClean="0"/>
+              <a:t>Rezultati</a:t>
+            </a:r>
+            <a:r>
+              <a:rPr lang="sr-Latn-RS" sz="2400" dirty="0" smtClean="0"/>
+              <a:t>  dobijeni izvršavanjem GA(silhouette score)</a:t>
+            </a:r>
+            <a:r>
+              <a:rPr lang="en-US" sz="2400" dirty="0" smtClean="0"/>
+              <a:t>:</a:t>
+            </a:r>
+            <a:endParaRPr lang="sr-Latn-RS" sz="2400" dirty="0" smtClean="0"/>
+          </a:p>
+          <a:p>
+            <a:pPr>
+              <a:buNone/>
+            </a:pPr>
+            <a:r>
+              <a:rPr lang="sr-Latn-RS" sz="2400" dirty="0" smtClean="0"/>
+              <a:t>  Veličina populacije </a:t>
+            </a:r>
+            <a:r>
+              <a:rPr lang="sr-Latn-RS" sz="2400" dirty="0" smtClean="0"/>
+              <a:t>300</a:t>
+            </a:r>
+            <a:r>
+              <a:rPr lang="sr-Latn-RS" sz="2400" dirty="0" smtClean="0"/>
+              <a:t>, broj generacija </a:t>
+            </a:r>
+            <a:r>
+              <a:rPr lang="sr-Latn-RS" sz="2400" dirty="0" smtClean="0"/>
+              <a:t>100</a:t>
+            </a:r>
+            <a:r>
+              <a:rPr lang="sr-Latn-RS" sz="2400" dirty="0" smtClean="0"/>
+              <a:t>, dobijena fitness vrednost  </a:t>
+            </a:r>
+            <a:r>
+              <a:rPr lang="sr-Latn-RS" sz="2400" dirty="0" smtClean="0">
+                <a:solidFill>
+                  <a:srgbClr val="FF0000"/>
+                </a:solidFill>
+              </a:rPr>
+              <a:t>0,28599</a:t>
+            </a:r>
+            <a:endParaRPr lang="sr-Latn-RS" sz="2400" dirty="0" smtClean="0">
+              <a:solidFill>
+                <a:srgbClr val="FF0000"/>
+              </a:solidFill>
+            </a:endParaRPr>
+          </a:p>
+          <a:p>
+            <a:endParaRPr lang="sr-Latn-RS" dirty="0" smtClean="0"/>
+          </a:p>
+          <a:p>
+            <a:endParaRPr lang="en-US" dirty="0"/>
+          </a:p>
+        </p:txBody>
+      </p:sp>
+      <p:pic>
+        <p:nvPicPr>
+          <p:cNvPr id="3074" name="Picture 2" descr="C:\Users\Ermin\Desktop\ri\RI_projekat\ss\sil300_100_nc3centers.png"/>
+          <p:cNvPicPr>
+            <a:picLocks noChangeAspect="1" noChangeArrowheads="1"/>
+          </p:cNvPicPr>
+          <p:nvPr/>
+        </p:nvPicPr>
+        <p:blipFill>
+          <a:blip r:embed="rId2"/>
+          <a:srcRect/>
+          <a:stretch>
+            <a:fillRect/>
+          </a:stretch>
+        </p:blipFill>
+        <p:spPr bwMode="auto">
+          <a:xfrm>
+            <a:off x="381000" y="2362200"/>
+            <a:ext cx="3962400" cy="3481162"/>
+          </a:xfrm>
+          <a:prstGeom prst="rect">
+            <a:avLst/>
+          </a:prstGeom>
+          <a:noFill/>
+        </p:spPr>
+      </p:pic>
+      <p:pic>
+        <p:nvPicPr>
+          <p:cNvPr id="3075" name="Picture 3" descr="C:\Users\Ermin\Desktop\ri\RI_projekat\ss\sil300_100_nc3g.png"/>
+          <p:cNvPicPr>
+            <a:picLocks noChangeAspect="1" noChangeArrowheads="1"/>
+          </p:cNvPicPr>
+          <p:nvPr/>
+        </p:nvPicPr>
+        <p:blipFill>
+          <a:blip r:embed="rId3"/>
+          <a:srcRect/>
+          <a:stretch>
+            <a:fillRect/>
+          </a:stretch>
+        </p:blipFill>
+        <p:spPr bwMode="auto">
+          <a:xfrm>
+            <a:off x="4648200" y="2362200"/>
+            <a:ext cx="4147349" cy="3452171"/>
+          </a:xfrm>
+          <a:prstGeom prst="rect">
+            <a:avLst/>
+          </a:prstGeom>
+          <a:noFill/>
+        </p:spPr>
+      </p:pic>
+    </p:spTree>
+  </p:cSld>
+  <p:clrMapOvr>
+    <a:masterClrMapping/>
+  </p:clrMapOvr>
+</p:sld>
+</file>
+
+<file path=ppt/slides/slide16.xml><?xml version="1.0" encoding="utf-8"?>
+<p:sld xmlns:a="http://schemas.openxmlformats.org/drawingml/2006/main" xmlns:r="http://schemas.openxmlformats.org/officeDocument/2006/relationships" xmlns:p="http://schemas.openxmlformats.org/presentationml/2006/main">
+  <p:cSld>
+    <p:spTree>
+      <p:nvGrpSpPr>
+        <p:cNvPr id="1" name=""/>
+        <p:cNvGrpSpPr/>
+        <p:nvPr/>
+      </p:nvGrpSpPr>
+      <p:grpSpPr>
+        <a:xfrm>
+          <a:off x="0" y="0"/>
+          <a:ext cx="0" cy="0"/>
+          <a:chOff x="0" y="0"/>
+          <a:chExt cx="0" cy="0"/>
+        </a:xfrm>
+      </p:grpSpPr>
+      <p:sp>
+        <p:nvSpPr>
+          <p:cNvPr id="2" name="Title 1"/>
+          <p:cNvSpPr>
+            <a:spLocks noGrp="1"/>
+          </p:cNvSpPr>
+          <p:nvPr>
+            <p:ph type="title"/>
+          </p:nvPr>
+        </p:nvSpPr>
+        <p:spPr>
+          <a:xfrm>
+            <a:off x="838200" y="304800"/>
+            <a:ext cx="7315200" cy="1154097"/>
+          </a:xfrm>
+        </p:spPr>
+        <p:txBody>
+          <a:bodyPr/>
+          <a:lstStyle/>
+          <a:p>
+            <a:r>
+              <a:rPr lang="en-US" dirty="0" err="1"/>
+              <a:t>Zaključak</a:t>
+            </a:r>
+            <a:r>
+              <a:rPr lang="en-US" dirty="0"/>
+              <a:t> </a:t>
+            </a:r>
+          </a:p>
+        </p:txBody>
+      </p:sp>
+      <p:sp>
+        <p:nvSpPr>
+          <p:cNvPr id="3" name="Content Placeholder 2"/>
+          <p:cNvSpPr>
+            <a:spLocks noGrp="1"/>
+          </p:cNvSpPr>
+          <p:nvPr>
+            <p:ph idx="1"/>
+          </p:nvPr>
+        </p:nvSpPr>
+        <p:spPr/>
+        <p:txBody>
+          <a:bodyPr/>
+          <a:lstStyle/>
+          <a:p>
+            <a:pPr>
+              <a:lnSpc>
+                <a:spcPct val="150000"/>
+              </a:lnSpc>
+              <a:spcAft>
+                <a:spcPts val="600"/>
+              </a:spcAft>
+            </a:pPr>
+            <a:r>
+              <a:rPr lang="en-US" dirty="0"/>
+              <a:t>Na </a:t>
+            </a:r>
+            <a:r>
+              <a:rPr lang="en-US" dirty="0" err="1"/>
+              <a:t>osnovu</a:t>
+            </a:r>
+            <a:r>
+              <a:rPr lang="en-US" dirty="0"/>
+              <a:t> </a:t>
+            </a:r>
+            <a:r>
+              <a:rPr lang="en-US" dirty="0" err="1"/>
+              <a:t>prethodne</a:t>
+            </a:r>
+            <a:r>
+              <a:rPr lang="en-US" dirty="0"/>
+              <a:t> </a:t>
+            </a:r>
+            <a:r>
+              <a:rPr lang="en-US" dirty="0" err="1"/>
+              <a:t>analize</a:t>
+            </a:r>
+            <a:r>
+              <a:rPr lang="en-US" dirty="0"/>
+              <a:t> </a:t>
+            </a:r>
+            <a:r>
+              <a:rPr lang="en-US" dirty="0" err="1"/>
+              <a:t>možemo</a:t>
+            </a:r>
+            <a:r>
+              <a:rPr lang="en-US" dirty="0"/>
+              <a:t> </a:t>
+            </a:r>
+            <a:r>
+              <a:rPr lang="en-US" dirty="0" err="1"/>
+              <a:t>doći</a:t>
+            </a:r>
+            <a:r>
+              <a:rPr lang="en-US" dirty="0"/>
+              <a:t> do </a:t>
+            </a:r>
+            <a:r>
+              <a:rPr lang="en-US" dirty="0" err="1"/>
+              <a:t>zaključka</a:t>
+            </a:r>
+            <a:r>
+              <a:rPr lang="en-US" dirty="0"/>
+              <a:t> da </a:t>
+            </a:r>
+            <a:r>
+              <a:rPr lang="en-US" dirty="0" err="1"/>
+              <a:t>povećanjem</a:t>
+            </a:r>
+            <a:r>
+              <a:rPr lang="en-US" dirty="0"/>
+              <a:t> </a:t>
+            </a:r>
+            <a:r>
+              <a:rPr lang="en-US" dirty="0" err="1"/>
+              <a:t>broja</a:t>
+            </a:r>
+            <a:r>
+              <a:rPr lang="en-US" dirty="0"/>
+              <a:t> </a:t>
+            </a:r>
+            <a:r>
+              <a:rPr lang="en-US" dirty="0" err="1"/>
+              <a:t>jedinki</a:t>
+            </a:r>
+            <a:r>
+              <a:rPr lang="en-US" dirty="0"/>
+              <a:t> </a:t>
+            </a:r>
+            <a:r>
+              <a:rPr lang="en-US" dirty="0" err="1"/>
+              <a:t>unutar</a:t>
+            </a:r>
+            <a:r>
+              <a:rPr lang="en-US" dirty="0"/>
+              <a:t> </a:t>
+            </a:r>
+            <a:r>
+              <a:rPr lang="en-US" dirty="0" err="1"/>
+              <a:t>populacije</a:t>
+            </a:r>
+            <a:r>
+              <a:rPr lang="en-US" dirty="0"/>
+              <a:t> </a:t>
+            </a:r>
+            <a:r>
+              <a:rPr lang="en-US" dirty="0" err="1"/>
+              <a:t>poboljšava</a:t>
+            </a:r>
+            <a:r>
+              <a:rPr lang="en-US" dirty="0"/>
+              <a:t> se i </a:t>
+            </a:r>
+            <a:r>
+              <a:rPr lang="en-US" dirty="0" err="1"/>
+              <a:t>kvalitet</a:t>
+            </a:r>
+            <a:r>
+              <a:rPr lang="en-US" dirty="0"/>
+              <a:t> (fitness </a:t>
+            </a:r>
+            <a:r>
+              <a:rPr lang="en-US" dirty="0" err="1"/>
+              <a:t>vrednost</a:t>
+            </a:r>
+            <a:r>
+              <a:rPr lang="en-US" dirty="0"/>
+              <a:t>) </a:t>
+            </a:r>
+            <a:r>
+              <a:rPr lang="en-US" dirty="0" err="1"/>
+              <a:t>rešenja</a:t>
+            </a:r>
+            <a:r>
+              <a:rPr lang="en-US" dirty="0"/>
+              <a:t> </a:t>
+            </a:r>
+            <a:r>
+              <a:rPr lang="en-US" dirty="0" err="1"/>
+              <a:t>samog</a:t>
+            </a:r>
+            <a:r>
+              <a:rPr lang="en-US" dirty="0"/>
+              <a:t> </a:t>
+            </a:r>
+            <a:r>
+              <a:rPr lang="en-US" dirty="0" err="1"/>
+              <a:t>algoritma</a:t>
+            </a:r>
+            <a:r>
+              <a:rPr lang="en-US" dirty="0"/>
+              <a:t> i </a:t>
+            </a:r>
+            <a:r>
+              <a:rPr lang="en-US" dirty="0" err="1"/>
+              <a:t>dobijeno</a:t>
+            </a:r>
+            <a:r>
+              <a:rPr lang="en-US" dirty="0"/>
+              <a:t> </a:t>
+            </a:r>
+            <a:r>
+              <a:rPr lang="en-US" dirty="0" err="1"/>
+              <a:t>rešenje</a:t>
+            </a:r>
+            <a:r>
+              <a:rPr lang="en-US" dirty="0"/>
+              <a:t> </a:t>
+            </a:r>
+            <a:r>
+              <a:rPr lang="en-US" dirty="0" err="1"/>
+              <a:t>veoma</a:t>
+            </a:r>
+            <a:r>
+              <a:rPr lang="en-US" dirty="0"/>
+              <a:t> je </a:t>
+            </a:r>
+            <a:r>
+              <a:rPr lang="en-US" dirty="0" err="1"/>
+              <a:t>blizu</a:t>
+            </a:r>
+            <a:r>
+              <a:rPr lang="en-US" dirty="0"/>
+              <a:t> </a:t>
+            </a:r>
+            <a:r>
+              <a:rPr lang="en-US" dirty="0" err="1"/>
+              <a:t>rešenja</a:t>
+            </a:r>
+            <a:r>
+              <a:rPr lang="en-US" dirty="0"/>
+              <a:t> </a:t>
+            </a:r>
+            <a:r>
+              <a:rPr lang="en-US" dirty="0" err="1"/>
+              <a:t>uporednog</a:t>
+            </a:r>
+            <a:r>
+              <a:rPr lang="en-US" dirty="0"/>
+              <a:t> </a:t>
+            </a:r>
+            <a:r>
+              <a:rPr lang="en-US" dirty="0" err="1"/>
+              <a:t>algoritma</a:t>
+            </a:r>
+            <a:r>
+              <a:rPr lang="en-US" dirty="0"/>
+              <a:t>(K means </a:t>
+            </a:r>
+            <a:r>
+              <a:rPr lang="en-US" dirty="0" err="1"/>
+              <a:t>algoritma</a:t>
+            </a:r>
+            <a:r>
+              <a:rPr lang="en-US" dirty="0"/>
+              <a:t>) </a:t>
+            </a:r>
+            <a:r>
+              <a:rPr lang="en-US" dirty="0" err="1"/>
+              <a:t>koji</a:t>
+            </a:r>
+            <a:r>
+              <a:rPr lang="en-US" dirty="0"/>
+              <a:t> u </a:t>
+            </a:r>
+            <a:r>
+              <a:rPr lang="en-US" dirty="0" err="1"/>
+              <a:t>najvećem</a:t>
+            </a:r>
+            <a:r>
+              <a:rPr lang="en-US" dirty="0"/>
+              <a:t> </a:t>
+            </a:r>
+            <a:r>
+              <a:rPr lang="en-US" dirty="0" err="1"/>
+              <a:t>broju</a:t>
+            </a:r>
+            <a:r>
+              <a:rPr lang="en-US" dirty="0"/>
+              <a:t> </a:t>
+            </a:r>
+            <a:r>
+              <a:rPr lang="en-US" dirty="0" err="1"/>
+              <a:t>slučajeva</a:t>
+            </a:r>
+            <a:r>
+              <a:rPr lang="en-US" dirty="0"/>
+              <a:t> </a:t>
+            </a:r>
+            <a:r>
+              <a:rPr lang="en-US" dirty="0" err="1"/>
+              <a:t>daje</a:t>
+            </a:r>
+            <a:r>
+              <a:rPr lang="en-US" dirty="0"/>
+              <a:t> </a:t>
+            </a:r>
+            <a:r>
+              <a:rPr lang="en-US" dirty="0" err="1"/>
+              <a:t>optimalno</a:t>
+            </a:r>
+            <a:r>
+              <a:rPr lang="en-US" dirty="0"/>
+              <a:t> </a:t>
+            </a:r>
+            <a:r>
+              <a:rPr lang="en-US" dirty="0" err="1"/>
+              <a:t>rešenje</a:t>
+            </a:r>
+            <a:r>
+              <a:rPr lang="en-US" dirty="0"/>
+              <a:t>.</a:t>
+            </a:r>
+          </a:p>
+        </p:txBody>
+      </p:sp>
+    </p:spTree>
+    <p:extLst>
+      <p:ext uri="{BB962C8B-B14F-4D97-AF65-F5344CB8AC3E}">
+        <p14:creationId xmlns:p14="http://schemas.microsoft.com/office/powerpoint/2010/main" xmlns="" val="1536250324"/>
+      </p:ext>
+    </p:extLst>
+  </p:cSld>
+  <p:clrMapOvr>
+    <a:masterClrMapping/>
+  </p:clrMapOvr>
+  <p:timing>
+    <p:tnLst>
+      <p:par>
+        <p:cTn id="1" dur="indefinite" restart="never" nodeType="tmRoot"/>
+      </p:par>
+    </p:tnLst>
+  </p:timing>
+</p:sld>
+</file>
+
+<file path=ppt/slides/slide17.xml><?xml version="1.0" encoding="utf-8"?>
+<p:sld xmlns:a="http://schemas.openxmlformats.org/drawingml/2006/main" xmlns:r="http://schemas.openxmlformats.org/officeDocument/2006/relationships" xmlns:p="http://schemas.openxmlformats.org/presentationml/2006/main">
+  <p:cSld>
+    <p:spTree>
+      <p:nvGrpSpPr>
+        <p:cNvPr id="1" name=""/>
+        <p:cNvGrpSpPr/>
+        <p:nvPr/>
+      </p:nvGrpSpPr>
+      <p:grpSpPr>
+        <a:xfrm>
+          <a:off x="0" y="0"/>
+          <a:ext cx="0" cy="0"/>
+          <a:chOff x="0" y="0"/>
+          <a:chExt cx="0" cy="0"/>
+        </a:xfrm>
+      </p:grpSpPr>
+      <p:sp>
+        <p:nvSpPr>
           <p:cNvPr id="2" name="Title 1"/>
           <p:cNvSpPr>
             <a:spLocks noGrp="1"/>
@@ -4140,7 +4916,7 @@
         </p:nvSpPr>
         <p:spPr>
           <a:xfrm>
-            <a:off x="4419599" y="5296711"/>
+            <a:off x="4419600" y="5296711"/>
             <a:ext cx="4211583" cy="1107996"/>
           </a:xfrm>
           <a:prstGeom prst="rect">
@@ -4202,7 +4978,7 @@
     </p:spTree>
     <p:extLst>
       <p:ext uri="{BB962C8B-B14F-4D97-AF65-F5344CB8AC3E}">
-        <p14:creationId xmlns:p14="http://schemas.microsoft.com/office/powerpoint/2010/main" val="3548069609"/>
+        <p14:creationId xmlns:p14="http://schemas.microsoft.com/office/powerpoint/2010/main" xmlns="" val="3548069609"/>
       </p:ext>
     </p:extLst>
   </p:cSld>
@@ -4490,7 +5266,7 @@
     </p:spTree>
     <p:extLst>
       <p:ext uri="{BB962C8B-B14F-4D97-AF65-F5344CB8AC3E}">
-        <p14:creationId xmlns:p14="http://schemas.microsoft.com/office/powerpoint/2010/main" val="3033999052"/>
+        <p14:creationId xmlns:p14="http://schemas.microsoft.com/office/powerpoint/2010/main" xmlns="" val="3033999052"/>
       </p:ext>
     </p:extLst>
   </p:cSld>
@@ -4755,104 +5531,13 @@
             </a:r>
             <a:r>
               <a:rPr lang="en-US" dirty="0"/>
-              <a:t>. </a:t>
-            </a:r>
-            <a:r>
-              <a:rPr lang="en-US" dirty="0" err="1"/>
-              <a:t>Fajlovi</a:t>
-            </a:r>
-            <a:r>
-              <a:rPr lang="en-US" dirty="0"/>
-              <a:t> </a:t>
-            </a:r>
-            <a:r>
-              <a:rPr lang="en-US" dirty="0" err="1"/>
-              <a:t>su</a:t>
-            </a:r>
-            <a:r>
-              <a:rPr lang="en-US" dirty="0"/>
-              <a:t> </a:t>
-            </a:r>
-            <a:r>
-              <a:rPr lang="en-US" dirty="0" err="1"/>
-              <a:t>formatirani</a:t>
-            </a:r>
-            <a:r>
-              <a:rPr lang="en-US" dirty="0"/>
-              <a:t> </a:t>
-            </a:r>
-            <a:r>
-              <a:rPr lang="en-US" dirty="0" err="1"/>
-              <a:t>na</a:t>
-            </a:r>
-            <a:r>
-              <a:rPr lang="en-US" dirty="0"/>
-              <a:t> </a:t>
-            </a:r>
-            <a:r>
-              <a:rPr lang="en-US" dirty="0" err="1"/>
-              <a:t>odgovarajući</a:t>
-            </a:r>
-            <a:r>
-              <a:rPr lang="en-US" dirty="0"/>
-              <a:t> </a:t>
-            </a:r>
-            <a:r>
-              <a:rPr lang="en-US" dirty="0" err="1"/>
-              <a:t>način</a:t>
-            </a:r>
-            <a:r>
-              <a:rPr lang="en-US" dirty="0"/>
-              <a:t>(</a:t>
-            </a:r>
-            <a:r>
-              <a:rPr lang="en-US" dirty="0" err="1"/>
-              <a:t>svaki</a:t>
-            </a:r>
-            <a:r>
-              <a:rPr lang="en-US" dirty="0"/>
-              <a:t> red </a:t>
-            </a:r>
-            <a:r>
-              <a:rPr lang="en-US" dirty="0" err="1"/>
-              <a:t>predstavlja</a:t>
-            </a:r>
-            <a:r>
-              <a:rPr lang="en-US" dirty="0"/>
-              <a:t> </a:t>
-            </a:r>
-            <a:r>
-              <a:rPr lang="en-US" dirty="0" err="1"/>
-              <a:t>jednu</a:t>
-            </a:r>
-            <a:r>
-              <a:rPr lang="en-US" dirty="0"/>
-              <a:t> </a:t>
-            </a:r>
-            <a:r>
-              <a:rPr lang="en-US" dirty="0" err="1"/>
-              <a:t>tačku</a:t>
-            </a:r>
-            <a:r>
-              <a:rPr lang="en-US" dirty="0"/>
-              <a:t> u n-</a:t>
-            </a:r>
-            <a:r>
-              <a:rPr lang="en-US" dirty="0" err="1"/>
-              <a:t>dimenzionom</a:t>
-            </a:r>
-            <a:r>
-              <a:rPr lang="en-US" dirty="0"/>
-              <a:t> </a:t>
-            </a:r>
-            <a:r>
-              <a:rPr lang="en-US" dirty="0" err="1"/>
-              <a:t>prostoru</a:t>
-            </a:r>
-            <a:r>
-              <a:rPr lang="en-US" dirty="0"/>
-              <a:t>)</a:t>
-            </a:r>
+              <a:t>. Fajlovi su formatirani na odgovarajući način(svaki red predstavlja jednu tačku u n-dimenzionom </a:t>
+            </a:r>
+            <a:r>
+              <a:rPr lang="en-US" dirty="0" smtClean="0"/>
+              <a:t>prostoru ili csv format)</a:t>
+            </a:r>
+            <a:endParaRPr lang="en-US" dirty="0"/>
           </a:p>
         </p:txBody>
       </p:sp>
@@ -4929,7 +5614,7 @@
     </p:spTree>
     <p:extLst>
       <p:ext uri="{BB962C8B-B14F-4D97-AF65-F5344CB8AC3E}">
-        <p14:creationId xmlns:p14="http://schemas.microsoft.com/office/powerpoint/2010/main" val="4138912434"/>
+        <p14:creationId xmlns:p14="http://schemas.microsoft.com/office/powerpoint/2010/main" xmlns="" val="4138912434"/>
       </p:ext>
     </p:extLst>
   </p:cSld>
@@ -5094,62 +5779,58 @@
               <a:t> </a:t>
             </a:r>
             <a:r>
-              <a:rPr lang="en-US" dirty="0" err="1" smtClean="0"/>
+              <a:rPr lang="en-US" dirty="0" err="1"/>
+              <a:t>dmenzije</a:t>
+            </a:r>
+            <a:r>
+              <a:rPr lang="en-US" dirty="0"/>
+              <a:t> K </a:t>
+            </a:r>
+            <a:r>
+              <a:rPr lang="en-US" dirty="0" err="1"/>
+              <a:t>gde</a:t>
+            </a:r>
+            <a:r>
+              <a:rPr lang="en-US" dirty="0"/>
+              <a:t> </a:t>
+            </a:r>
+            <a:r>
+              <a:rPr lang="en-US" dirty="0" err="1"/>
+              <a:t>svaki</a:t>
+            </a:r>
+            <a:r>
+              <a:rPr lang="en-US" dirty="0"/>
+              <a:t> od </a:t>
+            </a:r>
+            <a:r>
+              <a:rPr lang="en-US" dirty="0" err="1"/>
+              <a:t>elemenata</a:t>
+            </a:r>
+            <a:r>
+              <a:rPr lang="en-US" dirty="0"/>
+              <a:t> </a:t>
+            </a:r>
+            <a:r>
+              <a:rPr lang="en-US" dirty="0" err="1"/>
+              <a:t>liste</a:t>
+            </a:r>
+            <a:r>
+              <a:rPr lang="en-US" dirty="0"/>
+              <a:t> je </a:t>
+            </a:r>
+            <a:r>
+              <a:rPr lang="en-US" dirty="0" err="1"/>
+              <a:t>lista</a:t>
+            </a:r>
+            <a:r>
+              <a:rPr lang="en-US" dirty="0"/>
+              <a:t> </a:t>
+            </a:r>
+            <a:r>
+              <a:rPr lang="en-US" dirty="0" err="1"/>
               <a:t>dimenzije</a:t>
             </a:r>
             <a:r>
-              <a:rPr lang="en-US" dirty="0" smtClean="0"/>
-              <a:t> </a:t>
-            </a:r>
-            <a:r>
-              <a:rPr lang="en-US" dirty="0"/>
-              <a:t>K </a:t>
-            </a:r>
-            <a:r>
-              <a:rPr lang="en-US" dirty="0" err="1"/>
-              <a:t>gde</a:t>
-            </a:r>
-            <a:r>
-              <a:rPr lang="en-US" dirty="0"/>
-              <a:t> </a:t>
-            </a:r>
-            <a:r>
-              <a:rPr lang="en-US" dirty="0" err="1"/>
-              <a:t>svaki</a:t>
-            </a:r>
-            <a:r>
-              <a:rPr lang="en-US" dirty="0"/>
-              <a:t> od </a:t>
-            </a:r>
-            <a:r>
-              <a:rPr lang="en-US" dirty="0" err="1"/>
-              <a:t>elemenata</a:t>
-            </a:r>
-            <a:r>
-              <a:rPr lang="en-US" dirty="0"/>
-              <a:t> </a:t>
-            </a:r>
-            <a:r>
-              <a:rPr lang="en-US" dirty="0" err="1"/>
-              <a:t>liste</a:t>
-            </a:r>
-            <a:r>
-              <a:rPr lang="en-US" dirty="0"/>
-              <a:t> je </a:t>
-            </a:r>
-            <a:r>
-              <a:rPr lang="en-US" dirty="0" err="1"/>
-              <a:t>lista</a:t>
-            </a:r>
-            <a:r>
-              <a:rPr lang="en-US" dirty="0"/>
-              <a:t> </a:t>
-            </a:r>
-            <a:r>
-              <a:rPr lang="en-US" dirty="0" err="1"/>
-              <a:t>dimenzije</a:t>
-            </a:r>
-            <a:r>
               <a:rPr lang="en-US" dirty="0"/>
               <a:t> n (n je </a:t>
             </a:r>
@@ -5194,11 +5875,11 @@
               <a:t>) i </a:t>
             </a:r>
             <a:r>
-              <a:rPr lang="en-US" dirty="0" err="1" smtClean="0"/>
-              <a:t>predstavlja</a:t>
-            </a:r>
-            <a:r>
-              <a:rPr lang="en-US" dirty="0" smtClean="0"/>
+              <a:rPr lang="en-US" dirty="0" err="1"/>
+              <a:t>predstavja</a:t>
+            </a:r>
+            <a:r>
+              <a:rPr lang="en-US" dirty="0"/>
               <a:t> </a:t>
             </a:r>
             <a:r>
@@ -5365,7 +6046,7 @@
     </p:spTree>
     <p:extLst>
       <p:ext uri="{BB962C8B-B14F-4D97-AF65-F5344CB8AC3E}">
-        <p14:creationId xmlns:p14="http://schemas.microsoft.com/office/powerpoint/2010/main" val="2490122417"/>
+        <p14:creationId xmlns:p14="http://schemas.microsoft.com/office/powerpoint/2010/main" xmlns="" val="2490122417"/>
       </p:ext>
     </p:extLst>
   </p:cSld>
@@ -5399,465 +6080,133 @@
           <a:chExt cx="0" cy="0"/>
         </a:xfrm>
       </p:grpSpPr>
-      <mc:AlternateContent xmlns:mc="http://schemas.openxmlformats.org/markup-compatibility/2006">
-        <mc:Choice xmlns:a14="http://schemas.microsoft.com/office/drawing/2010/main" Requires="a14">
-          <p:sp>
-            <p:nvSpPr>
-              <p:cNvPr id="3" name="Content Placeholder 2"/>
-              <p:cNvSpPr>
-                <a:spLocks noGrp="1"/>
-              </p:cNvSpPr>
-              <p:nvPr>
-                <p:ph idx="1"/>
-              </p:nvPr>
-            </p:nvSpPr>
-            <p:spPr>
-              <a:xfrm>
-                <a:off x="914400" y="1752600"/>
-                <a:ext cx="7315200" cy="3962400"/>
-              </a:xfrm>
-            </p:spPr>
-            <p:txBody>
-              <a:bodyPr>
-                <a:normAutofit/>
-              </a:bodyPr>
-              <a:lstStyle/>
-              <a:p>
-                <a:pPr>
-                  <a:lnSpc>
-                    <a:spcPct val="150000"/>
-                  </a:lnSpc>
-                  <a:spcAft>
-                    <a:spcPts val="600"/>
-                  </a:spcAft>
-                </a:pPr>
-                <a:r>
-                  <a:rPr lang="en-US" b="1" dirty="0" smtClean="0">
-                    <a:solidFill>
-                      <a:schemeClr val="tx2"/>
-                    </a:solidFill>
-                  </a:rPr>
-                  <a:t>Fitness</a:t>
-                </a:r>
-                <a:r>
-                  <a:rPr lang="en-US" dirty="0" smtClean="0"/>
-                  <a:t> </a:t>
-                </a:r>
-                <a:r>
-                  <a:rPr lang="en-US" dirty="0" err="1"/>
-                  <a:t>funkcija</a:t>
-                </a:r>
-                <a:r>
-                  <a:rPr lang="en-US" dirty="0"/>
-                  <a:t> je </a:t>
-                </a:r>
-                <a:r>
-                  <a:rPr lang="en-US" dirty="0" err="1"/>
-                  <a:t>zadata</a:t>
-                </a:r>
-                <a:r>
-                  <a:rPr lang="en-US" dirty="0"/>
-                  <a:t> </a:t>
-                </a:r>
-                <a:r>
-                  <a:rPr lang="en-US" dirty="0" err="1" smtClean="0"/>
-                  <a:t>kao</a:t>
-                </a:r>
-                <a:r>
-                  <a:rPr lang="en-US" dirty="0" smtClean="0"/>
-                  <a:t> </a:t>
-                </a:r>
-                <a:r>
-                  <a:rPr lang="en-US" dirty="0" err="1" smtClean="0"/>
-                  <a:t>jedan</a:t>
-                </a:r>
-                <a:r>
-                  <a:rPr lang="en-US" dirty="0" smtClean="0"/>
-                  <a:t> </a:t>
-                </a:r>
-                <a:r>
-                  <a:rPr lang="en-US" dirty="0" err="1" smtClean="0"/>
-                  <a:t>kroz</a:t>
-                </a:r>
-                <a:r>
-                  <a:rPr lang="en-US" dirty="0" smtClean="0"/>
-                  <a:t> </a:t>
-                </a:r>
-                <a:r>
-                  <a:rPr lang="en-US" dirty="0" err="1"/>
-                  <a:t>suma</a:t>
-                </a:r>
-                <a:r>
-                  <a:rPr lang="en-US" dirty="0"/>
-                  <a:t> </a:t>
-                </a:r>
-                <a:r>
-                  <a:rPr lang="en-US" dirty="0" err="1"/>
-                  <a:t>kvadratnih</a:t>
-                </a:r>
-                <a:r>
-                  <a:rPr lang="en-US" dirty="0"/>
-                  <a:t> </a:t>
-                </a:r>
-                <a:r>
-                  <a:rPr lang="en-US" dirty="0" err="1"/>
-                  <a:t>rastojanja</a:t>
-                </a:r>
-                <a:r>
-                  <a:rPr lang="en-US" dirty="0"/>
-                  <a:t>(SSE) od </a:t>
-                </a:r>
-                <a:r>
-                  <a:rPr lang="en-US" dirty="0" err="1"/>
-                  <a:t>tačaka</a:t>
-                </a:r>
-                <a:r>
-                  <a:rPr lang="en-US" dirty="0"/>
-                  <a:t> od </a:t>
-                </a:r>
-                <a:r>
-                  <a:rPr lang="en-US" dirty="0" err="1" smtClean="0"/>
-                  <a:t>odgovaraju</a:t>
-                </a:r>
-                <a:r>
-                  <a:rPr lang="sr-Latn-RS" dirty="0"/>
-                  <a:t>ć</a:t>
-                </a:r>
-                <a:r>
-                  <a:rPr lang="en-US" dirty="0" err="1" smtClean="0"/>
-                  <a:t>eg</a:t>
-                </a:r>
-                <a:r>
-                  <a:rPr lang="en-US" dirty="0" smtClean="0"/>
-                  <a:t> </a:t>
-                </a:r>
-                <a:r>
-                  <a:rPr lang="en-US" dirty="0" err="1"/>
-                  <a:t>centra</a:t>
-                </a:r>
-                <a:r>
-                  <a:rPr lang="en-US" dirty="0"/>
-                  <a:t> </a:t>
-                </a:r>
-                <a:r>
-                  <a:rPr lang="en-US" dirty="0" err="1"/>
-                  <a:t>klastera</a:t>
-                </a:r>
-                <a:r>
-                  <a:rPr lang="en-US" dirty="0"/>
-                  <a:t> </a:t>
-                </a:r>
-                <a:r>
-                  <a:rPr lang="en-US" dirty="0" err="1"/>
-                  <a:t>kome</a:t>
-                </a:r>
-                <a:r>
-                  <a:rPr lang="en-US" dirty="0"/>
-                  <a:t> </a:t>
-                </a:r>
-                <a:r>
-                  <a:rPr lang="en-US" dirty="0" err="1" smtClean="0"/>
-                  <a:t>tačka</a:t>
-                </a:r>
-                <a:r>
-                  <a:rPr lang="en-US" dirty="0" smtClean="0"/>
-                  <a:t> </a:t>
-                </a:r>
-                <a:r>
-                  <a:rPr lang="en-US" dirty="0" err="1"/>
-                  <a:t>pripada</a:t>
-                </a:r>
-                <a:r>
-                  <a:rPr lang="en-US" dirty="0"/>
-                  <a:t>. </a:t>
-                </a:r>
-                <a:endParaRPr lang="en-US" dirty="0" smtClean="0"/>
-              </a:p>
-              <a:p>
-                <a:pPr>
-                  <a:lnSpc>
-                    <a:spcPct val="150000"/>
-                  </a:lnSpc>
-                  <a:spcAft>
-                    <a:spcPts val="600"/>
-                  </a:spcAft>
-                </a:pPr>
-                <a:r>
-                  <a:rPr lang="en-US" dirty="0" err="1" smtClean="0"/>
-                  <a:t>Rastojanja</a:t>
-                </a:r>
-                <a:r>
-                  <a:rPr lang="en-US" dirty="0" smtClean="0"/>
-                  <a:t> </a:t>
-                </a:r>
-                <a:r>
-                  <a:rPr lang="en-US" dirty="0"/>
-                  <a:t>se </a:t>
-                </a:r>
-                <a:r>
-                  <a:rPr lang="en-US" dirty="0" err="1" smtClean="0"/>
-                  <a:t>računaju</a:t>
-                </a:r>
-                <a:r>
-                  <a:rPr lang="en-US" dirty="0" smtClean="0"/>
-                  <a:t> </a:t>
-                </a:r>
-                <a:r>
-                  <a:rPr lang="en-US" dirty="0" err="1" smtClean="0"/>
-                  <a:t>euklidski</a:t>
-                </a:r>
-                <a:r>
-                  <a:rPr lang="en-US" dirty="0" smtClean="0"/>
-                  <a:t>.</a:t>
-                </a:r>
-              </a:p>
-              <a:p>
-                <a:pPr>
-                  <a:lnSpc>
-                    <a:spcPct val="150000"/>
-                  </a:lnSpc>
-                  <a:spcAft>
-                    <a:spcPts val="600"/>
-                  </a:spcAft>
-                </a:pPr>
-                <a:r>
-                  <a:rPr lang="en-US" dirty="0" smtClean="0"/>
-                  <a:t>SSE = </a:t>
-                </a:r>
-                <a14:m>
-                  <m:oMath xmlns:m="http://schemas.openxmlformats.org/officeDocument/2006/math">
-                    <m:nary>
-                      <m:naryPr>
-                        <m:chr m:val="∑"/>
-                        <m:ctrlPr>
-                          <a:rPr lang="en-US" b="0" i="1" smtClean="0">
-                            <a:latin typeface="Cambria Math"/>
-                            <a:ea typeface="Cambria Math"/>
-                          </a:rPr>
-                        </m:ctrlPr>
-                      </m:naryPr>
-                      <m:sub>
-                        <m:r>
-                          <m:rPr>
-                            <m:brk m:alnAt="23"/>
-                          </m:rPr>
-                          <a:rPr lang="en-US" b="0" i="1" smtClean="0">
-                            <a:latin typeface="Cambria Math"/>
-                            <a:ea typeface="Cambria Math"/>
-                          </a:rPr>
-                          <m:t>𝑖</m:t>
-                        </m:r>
-                        <m:r>
-                          <a:rPr lang="en-US" b="0" i="1" smtClean="0">
-                            <a:latin typeface="Cambria Math"/>
-                            <a:ea typeface="Cambria Math"/>
-                          </a:rPr>
-                          <m:t>=1</m:t>
-                        </m:r>
-                      </m:sub>
-                      <m:sup>
-                        <m:r>
-                          <a:rPr lang="en-US" b="0" i="1" smtClean="0">
-                            <a:latin typeface="Cambria Math"/>
-                            <a:ea typeface="Cambria Math"/>
-                          </a:rPr>
-                          <m:t>𝑛</m:t>
-                        </m:r>
-                      </m:sup>
-                      <m:e>
-                        <m:r>
-                          <a:rPr lang="en-US" b="0" i="1" smtClean="0">
-                            <a:latin typeface="Cambria Math"/>
-                            <a:ea typeface="Cambria Math"/>
-                          </a:rPr>
-                          <m:t>(</m:t>
-                        </m:r>
-                      </m:e>
-                    </m:nary>
-                    <m:sSup>
-                      <m:sSupPr>
-                        <m:ctrlPr>
-                          <a:rPr lang="en-US" b="0" i="1" smtClean="0">
-                            <a:latin typeface="Cambria Math"/>
-                            <a:ea typeface="Cambria Math"/>
-                          </a:rPr>
-                        </m:ctrlPr>
-                      </m:sSupPr>
-                      <m:e>
-                        <m:sSub>
-                          <m:sSubPr>
-                            <m:ctrlPr>
-                              <a:rPr lang="en-US" b="0" i="1" smtClean="0">
-                                <a:latin typeface="Cambria Math"/>
-                                <a:ea typeface="Cambria Math"/>
-                              </a:rPr>
-                            </m:ctrlPr>
-                          </m:sSubPr>
-                          <m:e>
-                            <m:r>
-                              <a:rPr lang="en-US" b="0" i="1" smtClean="0">
-                                <a:latin typeface="Cambria Math"/>
-                                <a:ea typeface="Cambria Math"/>
-                              </a:rPr>
-                              <m:t>𝑥</m:t>
-                            </m:r>
-                          </m:e>
-                          <m:sub>
-                            <m:r>
-                              <a:rPr lang="en-US" b="0" i="1" smtClean="0">
-                                <a:latin typeface="Cambria Math"/>
-                                <a:ea typeface="Cambria Math"/>
-                              </a:rPr>
-                              <m:t>𝑖</m:t>
-                            </m:r>
-                          </m:sub>
-                        </m:sSub>
-                        <m:r>
-                          <a:rPr lang="en-US" b="0" i="1" smtClean="0">
-                            <a:latin typeface="Cambria Math"/>
-                            <a:ea typeface="Cambria Math"/>
-                          </a:rPr>
-                          <m:t>−</m:t>
-                        </m:r>
-                        <m:sSup>
-                          <m:sSupPr>
-                            <m:ctrlPr>
-                              <a:rPr lang="en-US" b="0" i="1" smtClean="0">
-                                <a:latin typeface="Cambria Math"/>
-                                <a:ea typeface="Cambria Math"/>
-                              </a:rPr>
-                            </m:ctrlPr>
-                          </m:sSupPr>
-                          <m:e>
-                            <m:r>
-                              <a:rPr lang="en-US" b="0" i="1" smtClean="0">
-                                <a:latin typeface="Cambria Math"/>
-                                <a:ea typeface="Cambria Math"/>
-                              </a:rPr>
-                              <m:t>𝑥</m:t>
-                            </m:r>
-                          </m:e>
-                          <m:sup>
-                            <m:r>
-                              <a:rPr lang="en-US" b="0" i="1" smtClean="0">
-                                <a:latin typeface="Cambria Math"/>
-                                <a:ea typeface="Cambria Math"/>
-                              </a:rPr>
-                              <m:t>−</m:t>
-                            </m:r>
-                          </m:sup>
-                        </m:sSup>
-                        <m:r>
-                          <a:rPr lang="en-US" b="0" i="1" smtClean="0">
-                            <a:latin typeface="Cambria Math"/>
-                            <a:ea typeface="Cambria Math"/>
-                          </a:rPr>
-                          <m:t>)</m:t>
-                        </m:r>
-                      </m:e>
-                      <m:sup>
-                        <m:r>
-                          <a:rPr lang="en-US" b="0" i="1" smtClean="0">
-                            <a:latin typeface="Cambria Math"/>
-                            <a:ea typeface="Cambria Math"/>
-                          </a:rPr>
-                          <m:t>2</m:t>
-                        </m:r>
-                      </m:sup>
-                    </m:sSup>
-                  </m:oMath>
-                </a14:m>
-                <a:endParaRPr lang="en-US" dirty="0" smtClean="0"/>
-              </a:p>
-              <a:p>
-                <a:pPr>
-                  <a:lnSpc>
-                    <a:spcPct val="150000"/>
-                  </a:lnSpc>
-                  <a:spcAft>
-                    <a:spcPts val="600"/>
-                  </a:spcAft>
-                </a:pPr>
-                <a:r>
-                  <a:rPr lang="en-US" dirty="0" smtClean="0"/>
-                  <a:t>Fitness = </a:t>
-                </a:r>
-                <a14:m>
-                  <m:oMath xmlns:m="http://schemas.openxmlformats.org/officeDocument/2006/math">
-                    <m:f>
-                      <m:fPr>
-                        <m:ctrlPr>
-                          <a:rPr lang="en-US" i="1" smtClean="0">
-                            <a:latin typeface="Cambria Math"/>
-                          </a:rPr>
-                        </m:ctrlPr>
-                      </m:fPr>
-                      <m:num>
-                        <m:r>
-                          <a:rPr lang="en-US" b="0" i="1" smtClean="0">
-                            <a:latin typeface="Cambria Math"/>
-                          </a:rPr>
-                          <m:t>1</m:t>
-                        </m:r>
-                      </m:num>
-                      <m:den>
-                        <m:r>
-                          <a:rPr lang="en-US" b="0" i="1" smtClean="0">
-                            <a:latin typeface="Cambria Math"/>
-                          </a:rPr>
-                          <m:t>𝑆𝑆𝐸</m:t>
-                        </m:r>
-                      </m:den>
-                    </m:f>
-                  </m:oMath>
-                </a14:m>
-                <a:endParaRPr lang="en-US" dirty="0"/>
-              </a:p>
-            </p:txBody>
-          </p:sp>
-        </mc:Choice>
-        <mc:Fallback>
-          <p:sp>
-            <p:nvSpPr>
-              <p:cNvPr id="3" name="Content Placeholder 2"/>
-              <p:cNvSpPr>
-                <a:spLocks noGrp="1" noRot="1" noChangeAspect="1" noMove="1" noResize="1" noEditPoints="1" noAdjustHandles="1" noChangeArrowheads="1" noChangeShapeType="1" noTextEdit="1"/>
-              </p:cNvSpPr>
-              <p:nvPr>
-                <p:ph idx="1"/>
-              </p:nvPr>
-            </p:nvSpPr>
-            <p:spPr>
-              <a:xfrm>
-                <a:off x="914400" y="1752600"/>
-                <a:ext cx="7315200" cy="3962400"/>
-              </a:xfrm>
-              <a:blipFill rotWithShape="1">
-                <a:blip r:embed="rId2"/>
-                <a:stretch>
-                  <a:fillRect/>
-                </a:stretch>
-              </a:blipFill>
-            </p:spPr>
-            <p:txBody>
-              <a:bodyPr/>
-              <a:lstStyle/>
-              <a:p>
-                <a:r>
-                  <a:rPr lang="en-US">
-                    <a:noFill/>
-                  </a:rPr>
-                  <a:t> </a:t>
-                </a:r>
-              </a:p>
-            </p:txBody>
-          </p:sp>
-        </mc:Fallback>
-      </mc:AlternateContent>
+      <p:sp>
+        <p:nvSpPr>
+          <p:cNvPr id="3" name="Content Placeholder 2"/>
+          <p:cNvSpPr>
+            <a:spLocks noGrp="1" noRot="1" noChangeAspect="1" noMove="1" noResize="1" noEditPoints="1" noAdjustHandles="1" noChangeArrowheads="1" noChangeShapeType="1" noTextEdit="1"/>
+          </p:cNvSpPr>
+          <p:nvPr>
+            <p:ph idx="1"/>
+          </p:nvPr>
+        </p:nvSpPr>
+        <p:spPr>
+          <a:xfrm>
+            <a:off x="914400" y="1752600"/>
+            <a:ext cx="7315200" cy="3962400"/>
+          </a:xfrm>
+          <a:blipFill rotWithShape="1">
+            <a:blip r:embed="rId2"/>
+            <a:stretch>
+              <a:fillRect/>
+            </a:stretch>
+          </a:blipFill>
+        </p:spPr>
+        <p:txBody>
+          <a:bodyPr/>
+          <a:lstStyle/>
+          <a:p>
+            <a:pPr>
+              <a:buNone/>
+            </a:pPr>
+            <a:r>
+              <a:rPr lang="en-US" dirty="0">
+                <a:noFill/>
+              </a:rPr>
+              <a:t> </a:t>
+            </a:r>
+            <a:endParaRPr lang="en-US" dirty="0" smtClean="0">
+              <a:noFill/>
+            </a:endParaRPr>
+          </a:p>
+          <a:p>
+            <a:pPr>
+              <a:buNone/>
+            </a:pPr>
+            <a:endParaRPr lang="en-US" dirty="0" smtClean="0">
+              <a:noFill/>
+            </a:endParaRPr>
+          </a:p>
+          <a:p>
+            <a:pPr>
+              <a:buNone/>
+            </a:pPr>
+            <a:endParaRPr lang="en-US" dirty="0" smtClean="0">
+              <a:noFill/>
+            </a:endParaRPr>
+          </a:p>
+          <a:p>
+            <a:pPr>
+              <a:buNone/>
+            </a:pPr>
+            <a:endParaRPr lang="en-US" dirty="0" smtClean="0">
+              <a:noFill/>
+            </a:endParaRPr>
+          </a:p>
+          <a:p>
+            <a:pPr>
+              <a:buNone/>
+            </a:pPr>
+            <a:endParaRPr lang="en-US" dirty="0" smtClean="0">
+              <a:noFill/>
+            </a:endParaRPr>
+          </a:p>
+          <a:p>
+            <a:pPr>
+              <a:buNone/>
+            </a:pPr>
+            <a:endParaRPr lang="en-US" dirty="0" smtClean="0">
+              <a:noFill/>
+            </a:endParaRPr>
+          </a:p>
+          <a:p>
+            <a:pPr>
+              <a:buNone/>
+            </a:pPr>
+            <a:endParaRPr lang="en-US" dirty="0" smtClean="0">
+              <a:noFill/>
+            </a:endParaRPr>
+          </a:p>
+          <a:p>
+            <a:r>
+              <a:rPr lang="en-US" dirty="0" smtClean="0"/>
+              <a:t>Pored navedene funkcije koju treba optimizoavati (SSE), implementirana su i re</a:t>
+            </a:r>
+            <a:r>
+              <a:rPr lang="sr-Latn-RS" dirty="0" smtClean="0"/>
+              <a:t>šenja korišćenjem silhouette score-a i </a:t>
+            </a:r>
+            <a:r>
+              <a:rPr lang="en-US" dirty="0" smtClean="0"/>
+              <a:t>davies</a:t>
+            </a:r>
+            <a:r>
+              <a:rPr lang="sr-Latn-RS" dirty="0" smtClean="0"/>
+              <a:t> </a:t>
+            </a:r>
+            <a:r>
+              <a:rPr lang="en-US" dirty="0" smtClean="0"/>
+              <a:t>bouldin</a:t>
+            </a:r>
+            <a:r>
+              <a:rPr lang="sr-Latn-RS" dirty="0" smtClean="0"/>
+              <a:t> </a:t>
+            </a:r>
+            <a:r>
+              <a:rPr lang="en-US" dirty="0" smtClean="0"/>
+              <a:t>score</a:t>
+            </a:r>
+            <a:r>
+              <a:rPr lang="sr-Latn-RS" dirty="0" smtClean="0"/>
+              <a:t>-a.</a:t>
+            </a:r>
+          </a:p>
+        </p:txBody>
+      </p:sp>
     </p:spTree>
     <p:extLst>
       <p:ext uri="{BB962C8B-B14F-4D97-AF65-F5344CB8AC3E}">
-        <p14:creationId xmlns:p14="http://schemas.microsoft.com/office/powerpoint/2010/main" val="2444300346"/>
+        <p14:creationId xmlns:p14="http://schemas.microsoft.com/office/powerpoint/2010/main" xmlns="" val="2444300346"/>
       </p:ext>
     </p:extLst>
   </p:cSld>
@@ -5950,7 +6299,7 @@
               </a:spcAft>
             </a:pPr>
             <a:r>
-              <a:rPr lang="en-US" dirty="0" err="1">
+              <a:rPr lang="en-US" sz="1800" dirty="0" err="1">
                 <a:solidFill>
                   <a:schemeClr val="tx2"/>
                 </a:solidFill>
@@ -5958,7 +6307,7 @@
               <a:t>Selekcija</a:t>
             </a:r>
             <a:r>
-              <a:rPr lang="en-US" dirty="0">
+              <a:rPr lang="en-US" sz="1800" dirty="0">
                 <a:solidFill>
                   <a:schemeClr val="tx2"/>
                 </a:solidFill>
@@ -5966,59 +6315,59 @@
               <a:t> </a:t>
             </a:r>
             <a:r>
-              <a:rPr lang="en-US" dirty="0"/>
+              <a:rPr lang="en-US" sz="1800" dirty="0"/>
               <a:t>je </a:t>
             </a:r>
             <a:r>
-              <a:rPr lang="en-US" dirty="0" err="1"/>
+              <a:rPr lang="en-US" sz="1800" dirty="0" err="1"/>
               <a:t>implementirana</a:t>
             </a:r>
             <a:r>
-              <a:rPr lang="en-US" dirty="0"/>
-              <a:t> </a:t>
-            </a:r>
-            <a:r>
-              <a:rPr lang="en-US" dirty="0" err="1"/>
+              <a:rPr lang="en-US" sz="1800" dirty="0"/>
+              <a:t> </a:t>
+            </a:r>
+            <a:r>
+              <a:rPr lang="en-US" sz="1800" dirty="0" err="1"/>
               <a:t>kao</a:t>
             </a:r>
             <a:r>
-              <a:rPr lang="en-US" dirty="0"/>
-              <a:t> </a:t>
-            </a:r>
-            <a:r>
-              <a:rPr lang="en-US" dirty="0" err="1"/>
+              <a:rPr lang="en-US" sz="1800" dirty="0"/>
+              <a:t> </a:t>
+            </a:r>
+            <a:r>
+              <a:rPr lang="en-US" sz="1800" dirty="0" err="1"/>
               <a:t>turnirska</a:t>
             </a:r>
             <a:r>
-              <a:rPr lang="en-US" dirty="0"/>
-              <a:t> </a:t>
-            </a:r>
-            <a:r>
-              <a:rPr lang="en-US" dirty="0" err="1"/>
+              <a:rPr lang="en-US" sz="1800" dirty="0"/>
+              <a:t> </a:t>
+            </a:r>
+            <a:r>
+              <a:rPr lang="en-US" sz="1800" dirty="0" err="1"/>
               <a:t>sa</a:t>
             </a:r>
             <a:r>
-              <a:rPr lang="en-US" dirty="0"/>
-              <a:t> </a:t>
-            </a:r>
-            <a:r>
-              <a:rPr lang="en-US" dirty="0" err="1"/>
+              <a:rPr lang="en-US" sz="1800" dirty="0"/>
+              <a:t> </a:t>
+            </a:r>
+            <a:r>
+              <a:rPr lang="en-US" sz="1800" dirty="0" err="1"/>
               <a:t>veličinom</a:t>
             </a:r>
             <a:r>
-              <a:rPr lang="en-US" dirty="0"/>
-              <a:t> </a:t>
-            </a:r>
-            <a:r>
-              <a:rPr lang="en-US" dirty="0" err="1"/>
+              <a:rPr lang="en-US" sz="1800" dirty="0"/>
+              <a:t> </a:t>
+            </a:r>
+            <a:r>
+              <a:rPr lang="en-US" sz="1800" dirty="0" err="1"/>
               <a:t>turnira</a:t>
             </a:r>
             <a:r>
-              <a:rPr lang="en-US" dirty="0"/>
-              <a:t> </a:t>
-            </a:r>
-            <a:r>
-              <a:rPr lang="en-US" dirty="0" smtClean="0"/>
+              <a:rPr lang="en-US" sz="1800" dirty="0"/>
+              <a:t> </a:t>
+            </a:r>
+            <a:r>
+              <a:rPr lang="en-US" sz="1800" dirty="0" smtClean="0"/>
               <a:t>5</a:t>
             </a:r>
           </a:p>
@@ -6040,27 +6389,15 @@
               <a:t>ć</a:t>
             </a:r>
             <a:r>
-              <a:rPr lang="en-US" dirty="0" err="1" smtClean="0"/>
-              <a:t>eno</a:t>
-            </a:r>
-            <a:r>
               <a:rPr lang="en-US" dirty="0" smtClean="0"/>
-              <a:t> </a:t>
-            </a:r>
-            <a:r>
-              <a:rPr lang="en-US" dirty="0"/>
-              <a:t>je </a:t>
-            </a:r>
-            <a:r>
-              <a:rPr lang="en-US" dirty="0" err="1"/>
-              <a:t>jednopoziciono</a:t>
-            </a:r>
-            <a:r>
-              <a:rPr lang="en-US" dirty="0"/>
-              <a:t> </a:t>
-            </a:r>
-            <a:r>
-              <a:rPr lang="en-US" dirty="0" err="1" smtClean="0">
+              <a:t>eno </a:t>
+            </a:r>
+            <a:r>
+              <a:rPr lang="en-US" dirty="0"/>
+              <a:t>je jednopoziciono </a:t>
+            </a:r>
+            <a:r>
+              <a:rPr lang="en-US" dirty="0" smtClean="0">
                 <a:solidFill>
                   <a:schemeClr val="tx2"/>
                 </a:solidFill>
@@ -6068,7 +6405,7 @@
               <a:t>ukr</a:t>
             </a:r>
             <a:r>
-              <a:rPr lang="sr-Latn-RS" dirty="0">
+              <a:rPr lang="sr-Latn-RS" dirty="0" smtClean="0">
                 <a:solidFill>
                   <a:schemeClr val="tx2"/>
                 </a:solidFill>
@@ -6076,219 +6413,19 @@
               <a:t>š</a:t>
             </a:r>
             <a:r>
-              <a:rPr lang="en-US" dirty="0" err="1" smtClean="0">
+              <a:rPr lang="en-US" dirty="0" smtClean="0">
                 <a:solidFill>
                   <a:schemeClr val="tx2"/>
                 </a:solidFill>
               </a:rPr>
-              <a:t>tanje</a:t>
+              <a:t>tanje </a:t>
+            </a:r>
+            <a:r>
+              <a:rPr lang="en-US" dirty="0"/>
+              <a:t>, pozicija se bira iz intervala [0,duzina_jedinke) i pritom korišćenom implemetacijom neće postojati problem nepoželjnog ponašanja u kome je jedinka podeljena tako da različite koordinate iz iste tačke(gena) pripadnu različitim </a:t>
             </a:r>
             <a:r>
               <a:rPr lang="en-US" dirty="0" smtClean="0"/>
-              <a:t>, </a:t>
-            </a:r>
-            <a:r>
-              <a:rPr lang="en-US" dirty="0" err="1"/>
-              <a:t>pozicija</a:t>
-            </a:r>
-            <a:r>
-              <a:rPr lang="en-US" dirty="0"/>
-              <a:t> se </a:t>
-            </a:r>
-            <a:r>
-              <a:rPr lang="en-US" dirty="0" err="1"/>
-              <a:t>bira</a:t>
-            </a:r>
-            <a:r>
-              <a:rPr lang="en-US" dirty="0"/>
-              <a:t> </a:t>
-            </a:r>
-            <a:r>
-              <a:rPr lang="en-US" dirty="0" err="1"/>
-              <a:t>iz</a:t>
-            </a:r>
-            <a:r>
-              <a:rPr lang="en-US" dirty="0"/>
-              <a:t> </a:t>
-            </a:r>
-            <a:r>
-              <a:rPr lang="en-US" dirty="0" err="1"/>
-              <a:t>intervala</a:t>
-            </a:r>
-            <a:r>
-              <a:rPr lang="en-US" dirty="0"/>
-              <a:t> [</a:t>
-            </a:r>
-            <a:r>
-              <a:rPr lang="en-US" dirty="0" smtClean="0"/>
-              <a:t>0,du</a:t>
-            </a:r>
-            <a:r>
-              <a:rPr lang="sr-Latn-RS" dirty="0"/>
-              <a:t>ž</a:t>
-            </a:r>
-            <a:r>
-              <a:rPr lang="en-US" dirty="0" err="1" smtClean="0"/>
-              <a:t>ina_jedinke</a:t>
-            </a:r>
-            <a:r>
-              <a:rPr lang="en-US" dirty="0"/>
-              <a:t>) i </a:t>
-            </a:r>
-            <a:r>
-              <a:rPr lang="en-US" dirty="0" err="1"/>
-              <a:t>pritom</a:t>
-            </a:r>
-            <a:r>
-              <a:rPr lang="en-US" dirty="0"/>
-              <a:t> </a:t>
-            </a:r>
-            <a:r>
-              <a:rPr lang="en-US" dirty="0" err="1"/>
-              <a:t>korišćenom</a:t>
-            </a:r>
-            <a:r>
-              <a:rPr lang="en-US" dirty="0"/>
-              <a:t> </a:t>
-            </a:r>
-            <a:r>
-              <a:rPr lang="en-US" dirty="0" err="1"/>
-              <a:t>implemetacijom</a:t>
-            </a:r>
-            <a:r>
-              <a:rPr lang="en-US" dirty="0"/>
-              <a:t> </a:t>
-            </a:r>
-            <a:r>
-              <a:rPr lang="en-US" dirty="0" err="1"/>
-              <a:t>neće</a:t>
-            </a:r>
-            <a:r>
-              <a:rPr lang="en-US" dirty="0"/>
-              <a:t> </a:t>
-            </a:r>
-            <a:r>
-              <a:rPr lang="en-US" dirty="0" err="1"/>
-              <a:t>postojati</a:t>
-            </a:r>
-            <a:r>
-              <a:rPr lang="en-US" dirty="0"/>
-              <a:t> problem </a:t>
-            </a:r>
-            <a:r>
-              <a:rPr lang="en-US" dirty="0" err="1"/>
-              <a:t>nepoželjnog</a:t>
-            </a:r>
-            <a:r>
-              <a:rPr lang="en-US" dirty="0"/>
-              <a:t> </a:t>
-            </a:r>
-            <a:r>
-              <a:rPr lang="en-US" dirty="0" err="1"/>
-              <a:t>ponašanja</a:t>
-            </a:r>
-            <a:r>
-              <a:rPr lang="en-US" dirty="0"/>
-              <a:t> u </a:t>
-            </a:r>
-            <a:r>
-              <a:rPr lang="en-US" dirty="0" err="1"/>
-              <a:t>kome</a:t>
-            </a:r>
-            <a:r>
-              <a:rPr lang="en-US" dirty="0"/>
-              <a:t> je </a:t>
-            </a:r>
-            <a:r>
-              <a:rPr lang="en-US" dirty="0" err="1"/>
-              <a:t>jedinka</a:t>
-            </a:r>
-            <a:r>
-              <a:rPr lang="en-US" dirty="0"/>
-              <a:t> </a:t>
-            </a:r>
-            <a:r>
-              <a:rPr lang="en-US" dirty="0" err="1"/>
-              <a:t>podeljena</a:t>
-            </a:r>
-            <a:r>
-              <a:rPr lang="en-US" dirty="0"/>
-              <a:t> </a:t>
-            </a:r>
-            <a:r>
-              <a:rPr lang="en-US" dirty="0" err="1"/>
-              <a:t>tako</a:t>
-            </a:r>
-            <a:r>
-              <a:rPr lang="en-US" dirty="0"/>
-              <a:t> da </a:t>
-            </a:r>
-            <a:r>
-              <a:rPr lang="en-US" dirty="0" err="1"/>
-              <a:t>različite</a:t>
-            </a:r>
-            <a:r>
-              <a:rPr lang="en-US" dirty="0"/>
-              <a:t> </a:t>
-            </a:r>
-            <a:r>
-              <a:rPr lang="en-US" dirty="0" err="1"/>
-              <a:t>koordinate</a:t>
-            </a:r>
-            <a:r>
-              <a:rPr lang="en-US" dirty="0"/>
-              <a:t> </a:t>
-            </a:r>
-            <a:r>
-              <a:rPr lang="en-US" dirty="0" err="1"/>
-              <a:t>iz</a:t>
-            </a:r>
-            <a:r>
-              <a:rPr lang="en-US" dirty="0"/>
-              <a:t> </a:t>
-            </a:r>
-            <a:r>
-              <a:rPr lang="en-US" dirty="0" err="1"/>
-              <a:t>iste</a:t>
-            </a:r>
-            <a:r>
-              <a:rPr lang="en-US" dirty="0"/>
-              <a:t> </a:t>
-            </a:r>
-            <a:r>
-              <a:rPr lang="en-US" dirty="0" err="1"/>
-              <a:t>tačke</a:t>
-            </a:r>
-            <a:r>
-              <a:rPr lang="en-US" dirty="0"/>
-              <a:t>(</a:t>
-            </a:r>
-            <a:r>
-              <a:rPr lang="en-US" dirty="0" err="1"/>
-              <a:t>gena</a:t>
-            </a:r>
-            <a:r>
-              <a:rPr lang="en-US" dirty="0"/>
-              <a:t>) </a:t>
-            </a:r>
-            <a:r>
-              <a:rPr lang="en-US" dirty="0" err="1"/>
-              <a:t>pripadnu</a:t>
-            </a:r>
-            <a:r>
-              <a:rPr lang="en-US" dirty="0"/>
-              <a:t> </a:t>
-            </a:r>
-            <a:r>
-              <a:rPr lang="en-US" dirty="0" err="1"/>
-              <a:t>različitim</a:t>
-            </a:r>
-            <a:r>
-              <a:rPr lang="en-US" dirty="0"/>
-              <a:t> </a:t>
-            </a:r>
-            <a:r>
-              <a:rPr lang="en-US" dirty="0" err="1" smtClean="0"/>
               <a:t>potomcima</a:t>
             </a:r>
             <a:endParaRPr lang="en-US" dirty="0"/>
@@ -6298,7 +6435,7 @@
     </p:spTree>
     <p:extLst>
       <p:ext uri="{BB962C8B-B14F-4D97-AF65-F5344CB8AC3E}">
-        <p14:creationId xmlns:p14="http://schemas.microsoft.com/office/powerpoint/2010/main" val="4042383937"/>
+        <p14:creationId xmlns:p14="http://schemas.microsoft.com/office/powerpoint/2010/main" xmlns="" val="4042383937"/>
       </p:ext>
     </p:extLst>
   </p:cSld>
@@ -6361,235 +6498,32 @@
               </a:spcAft>
             </a:pPr>
             <a:r>
-              <a:rPr lang="en-US" dirty="0" err="1">
-                <a:solidFill>
-                  <a:schemeClr val="tx2"/>
-                </a:solidFill>
-              </a:rPr>
-              <a:t>Mutacijom</a:t>
-            </a:r>
-            <a:r>
               <a:rPr lang="en-US" dirty="0">
                 <a:solidFill>
                   <a:schemeClr val="tx2"/>
                 </a:solidFill>
               </a:rPr>
-              <a:t> </a:t>
-            </a:r>
-            <a:r>
-              <a:rPr lang="en-US" dirty="0"/>
-              <a:t>se </a:t>
-            </a:r>
-            <a:r>
-              <a:rPr lang="en-US" dirty="0" err="1" smtClean="0"/>
-              <a:t>vr</a:t>
+              <a:t>Mutacijom </a:t>
+            </a:r>
+            <a:r>
+              <a:rPr lang="en-US" dirty="0"/>
+              <a:t>se vrsi ekspolaracija prostora pretrage.Upotrebljena je ideja dodavanja/oduzimanja slučajno generisane vrednosti (iz </a:t>
+            </a:r>
+            <a:r>
+              <a:rPr lang="en-US" dirty="0" smtClean="0"/>
+              <a:t>intervala[0,</a:t>
             </a:r>
             <a:r>
               <a:rPr lang="sr-Latn-RS" dirty="0" smtClean="0"/>
-              <a:t>š</a:t>
+              <a:t>0.5</a:t>
             </a:r>
             <a:r>
               <a:rPr lang="en-US" dirty="0" smtClean="0"/>
-              <a:t>i </a:t>
-            </a:r>
-            <a:r>
-              <a:rPr lang="en-US" dirty="0" err="1" smtClean="0"/>
-              <a:t>ekspl</a:t>
-            </a:r>
-            <a:r>
-              <a:rPr lang="sr-Latn-RS" dirty="0" smtClean="0"/>
-              <a:t>o</a:t>
-            </a:r>
-            <a:r>
-              <a:rPr lang="en-US" dirty="0" err="1" smtClean="0"/>
-              <a:t>racija</a:t>
-            </a:r>
-            <a:r>
-              <a:rPr lang="en-US" dirty="0" smtClean="0"/>
-              <a:t> </a:t>
-            </a:r>
-            <a:r>
-              <a:rPr lang="en-US" dirty="0" err="1"/>
-              <a:t>prostora</a:t>
-            </a:r>
-            <a:r>
-              <a:rPr lang="en-US" dirty="0"/>
-              <a:t> </a:t>
-            </a:r>
-            <a:r>
-              <a:rPr lang="en-US" dirty="0" err="1"/>
-              <a:t>pretrage</a:t>
-            </a:r>
-            <a:r>
-              <a:rPr lang="en-US" dirty="0" smtClean="0"/>
-              <a:t>.</a:t>
-            </a:r>
-            <a:endParaRPr lang="sr-Latn-RS" dirty="0" smtClean="0"/>
-          </a:p>
-          <a:p>
-            <a:pPr>
-              <a:lnSpc>
-                <a:spcPct val="150000"/>
-              </a:lnSpc>
-              <a:spcAft>
-                <a:spcPts val="600"/>
-              </a:spcAft>
-            </a:pPr>
-            <a:r>
-              <a:rPr lang="en-US" dirty="0" err="1" smtClean="0"/>
-              <a:t>Upotrebljena</a:t>
-            </a:r>
-            <a:r>
-              <a:rPr lang="en-US" dirty="0" smtClean="0"/>
-              <a:t> </a:t>
-            </a:r>
-            <a:r>
-              <a:rPr lang="en-US" dirty="0"/>
-              <a:t>je </a:t>
-            </a:r>
-            <a:r>
-              <a:rPr lang="en-US" dirty="0" err="1"/>
-              <a:t>ideja</a:t>
-            </a:r>
-            <a:r>
-              <a:rPr lang="en-US" dirty="0"/>
-              <a:t> </a:t>
-            </a:r>
-            <a:r>
-              <a:rPr lang="en-US" dirty="0" err="1"/>
-              <a:t>dodavanja</a:t>
-            </a:r>
-            <a:r>
-              <a:rPr lang="en-US" dirty="0"/>
-              <a:t>/</a:t>
-            </a:r>
-            <a:r>
-              <a:rPr lang="en-US" dirty="0" err="1"/>
-              <a:t>oduzimanja</a:t>
-            </a:r>
-            <a:r>
-              <a:rPr lang="en-US" dirty="0"/>
-              <a:t> </a:t>
-            </a:r>
-            <a:r>
-              <a:rPr lang="en-US" dirty="0" err="1"/>
-              <a:t>slučajno</a:t>
-            </a:r>
-            <a:r>
-              <a:rPr lang="en-US" dirty="0"/>
-              <a:t> </a:t>
-            </a:r>
-            <a:r>
-              <a:rPr lang="en-US" dirty="0" err="1"/>
-              <a:t>generisane</a:t>
-            </a:r>
-            <a:r>
-              <a:rPr lang="en-US" dirty="0"/>
-              <a:t> </a:t>
-            </a:r>
-            <a:r>
-              <a:rPr lang="en-US" dirty="0" err="1"/>
-              <a:t>vrednosti</a:t>
-            </a:r>
-            <a:r>
-              <a:rPr lang="en-US" dirty="0"/>
-              <a:t> (</a:t>
-            </a:r>
-            <a:r>
-              <a:rPr lang="en-US" dirty="0" err="1"/>
-              <a:t>iz</a:t>
-            </a:r>
-            <a:r>
-              <a:rPr lang="en-US" dirty="0"/>
-              <a:t> </a:t>
-            </a:r>
-            <a:r>
-              <a:rPr lang="en-US" dirty="0" err="1"/>
-              <a:t>intervala</a:t>
-            </a:r>
-            <a:r>
-              <a:rPr lang="en-US" dirty="0"/>
-              <a:t>[0,3]) </a:t>
-            </a:r>
-            <a:r>
-              <a:rPr lang="en-US" dirty="0" err="1"/>
-              <a:t>svakoj</a:t>
-            </a:r>
-            <a:r>
-              <a:rPr lang="en-US" dirty="0"/>
-              <a:t> </a:t>
-            </a:r>
-            <a:r>
-              <a:rPr lang="en-US" dirty="0" err="1"/>
-              <a:t>koordinati</a:t>
-            </a:r>
-            <a:r>
-              <a:rPr lang="en-US" dirty="0"/>
-              <a:t> </a:t>
-            </a:r>
-            <a:r>
-              <a:rPr lang="en-US" dirty="0" err="1"/>
-              <a:t>posmatrane</a:t>
-            </a:r>
-            <a:r>
-              <a:rPr lang="en-US" dirty="0"/>
-              <a:t> </a:t>
-            </a:r>
-            <a:r>
-              <a:rPr lang="en-US" dirty="0" err="1"/>
-              <a:t>tačke</a:t>
-            </a:r>
-            <a:r>
-              <a:rPr lang="en-US" dirty="0"/>
-              <a:t> </a:t>
-            </a:r>
-            <a:r>
-              <a:rPr lang="en-US" dirty="0" err="1"/>
-              <a:t>ukoliko</a:t>
-            </a:r>
-            <a:r>
-              <a:rPr lang="en-US" dirty="0"/>
-              <a:t> je </a:t>
-            </a:r>
-            <a:r>
-              <a:rPr lang="en-US" dirty="0" err="1"/>
-              <a:t>slučajno</a:t>
-            </a:r>
-            <a:r>
-              <a:rPr lang="en-US" dirty="0"/>
-              <a:t> </a:t>
-            </a:r>
-            <a:r>
-              <a:rPr lang="en-US" dirty="0" err="1"/>
-              <a:t>generisana</a:t>
-            </a:r>
-            <a:r>
-              <a:rPr lang="en-US" dirty="0"/>
-              <a:t> </a:t>
-            </a:r>
-            <a:r>
-              <a:rPr lang="en-US" dirty="0" err="1"/>
-              <a:t>vrednost</a:t>
-            </a:r>
-            <a:r>
-              <a:rPr lang="en-US" dirty="0"/>
-              <a:t> </a:t>
-            </a:r>
-            <a:r>
-              <a:rPr lang="en-US" dirty="0" err="1"/>
-              <a:t>manja</a:t>
-            </a:r>
-            <a:r>
-              <a:rPr lang="en-US" dirty="0"/>
-              <a:t> od MUTATION_RATE </a:t>
-            </a:r>
-            <a:r>
-              <a:rPr lang="en-US" dirty="0" err="1"/>
-              <a:t>koji</a:t>
-            </a:r>
-            <a:r>
-              <a:rPr lang="en-US" dirty="0"/>
-              <a:t> je 5% (0.05). </a:t>
+              <a:t>]) </a:t>
+            </a:r>
+            <a:r>
+              <a:rPr lang="en-US" dirty="0"/>
+              <a:t>svakoj koordinati posmatrane tačke ukoliko je slučajno generisana vrednost manja od MUTATION_RATE koji je 5% (0.05). </a:t>
             </a:r>
           </a:p>
         </p:txBody>
@@ -6597,7 +6531,7 @@
     </p:spTree>
     <p:extLst>
       <p:ext uri="{BB962C8B-B14F-4D97-AF65-F5344CB8AC3E}">
-        <p14:creationId xmlns:p14="http://schemas.microsoft.com/office/powerpoint/2010/main" val="3979918320"/>
+        <p14:creationId xmlns:p14="http://schemas.microsoft.com/office/powerpoint/2010/main" xmlns="" val="3979918320"/>
       </p:ext>
     </p:extLst>
   </p:cSld>
@@ -6685,10 +6619,27 @@
             <p:ph idx="1"/>
           </p:nvPr>
         </p:nvSpPr>
-        <p:spPr/>
+        <p:spPr>
+          <a:xfrm>
+            <a:off x="457200" y="2209800"/>
+            <a:ext cx="8153400" cy="4023360"/>
+          </a:xfrm>
+        </p:spPr>
         <p:txBody>
           <a:bodyPr/>
           <a:lstStyle/>
+          <a:p>
+            <a:pPr>
+              <a:lnSpc>
+                <a:spcPct val="150000"/>
+              </a:lnSpc>
+              <a:spcAft>
+                <a:spcPts val="600"/>
+              </a:spcAft>
+              <a:buNone/>
+            </a:pPr>
+            <a:endParaRPr lang="sr-Latn-RS" dirty="0" smtClean="0"/>
+          </a:p>
           <a:p>
             <a:pPr>
               <a:lnSpc>
@@ -6699,48 +6650,45 @@
               </a:spcAft>
             </a:pPr>
             <a:r>
-              <a:rPr lang="vi-VN" dirty="0"/>
-              <a:t>Vrednosti za parametre genetskog algoritma su uglavnom empirijski određene. </a:t>
-            </a:r>
-            <a:endParaRPr lang="sr-Latn-RS" dirty="0" smtClean="0"/>
-          </a:p>
-          <a:p>
-            <a:pPr>
-              <a:lnSpc>
-                <a:spcPct val="150000"/>
-              </a:lnSpc>
-              <a:spcAft>
-                <a:spcPts val="600"/>
-              </a:spcAft>
-            </a:pPr>
-            <a:r>
-              <a:rPr lang="vi-VN" dirty="0" smtClean="0"/>
+              <a:rPr lang="vi-VN" sz="2800" dirty="0" smtClean="0"/>
               <a:t>Veličina </a:t>
             </a:r>
             <a:r>
-              <a:rPr lang="vi-VN" dirty="0"/>
+              <a:rPr lang="vi-VN" sz="2800" dirty="0"/>
               <a:t>populacije je </a:t>
             </a:r>
             <a:r>
-              <a:rPr lang="sr-Latn-RS" dirty="0" smtClean="0"/>
+              <a:rPr lang="sr-Latn-RS" sz="2800" dirty="0" smtClean="0"/>
+              <a:t>300</a:t>
+            </a:r>
+            <a:r>
+              <a:rPr lang="vi-VN" sz="2800" dirty="0" smtClean="0"/>
+              <a:t>, </a:t>
+            </a:r>
+            <a:r>
+              <a:rPr lang="vi-VN" sz="2800" dirty="0"/>
+              <a:t>broj generacija </a:t>
+            </a:r>
+            <a:r>
+              <a:rPr lang="sr-Latn-RS" sz="2800" dirty="0" smtClean="0"/>
               <a:t>100</a:t>
             </a:r>
             <a:r>
-              <a:rPr lang="vi-VN" dirty="0" smtClean="0"/>
-              <a:t>, </a:t>
-            </a:r>
-            <a:r>
-              <a:rPr lang="vi-VN" dirty="0"/>
-              <a:t>broj generacija 30 i elitizmom čuvamo 20% najboljih jedinki generacije. </a:t>
-            </a:r>
-            <a:endParaRPr lang="en-US" dirty="0"/>
+              <a:rPr lang="vi-VN" sz="2800" dirty="0" smtClean="0"/>
+              <a:t> </a:t>
+            </a:r>
+            <a:r>
+              <a:rPr lang="vi-VN" sz="2800" dirty="0"/>
+              <a:t>i elitizmom čuvamo 20% najboljih jedinki generacije. </a:t>
+            </a:r>
+            <a:endParaRPr lang="en-US" sz="2800" dirty="0"/>
           </a:p>
         </p:txBody>
       </p:sp>
     </p:spTree>
     <p:extLst>
       <p:ext uri="{BB962C8B-B14F-4D97-AF65-F5344CB8AC3E}">
-        <p14:creationId xmlns:p14="http://schemas.microsoft.com/office/powerpoint/2010/main" val="3585070939"/>
+        <p14:creationId xmlns:p14="http://schemas.microsoft.com/office/powerpoint/2010/main" xmlns="" val="3585070939"/>
       </p:ext>
     </p:extLst>
   </p:cSld>
@@ -6786,8 +6734,8 @@
         </p:nvSpPr>
         <p:spPr>
           <a:xfrm>
-            <a:off x="914400" y="152400"/>
-            <a:ext cx="7315200" cy="1001697"/>
+            <a:off x="457200" y="152400"/>
+            <a:ext cx="7772400" cy="1001697"/>
           </a:xfrm>
         </p:spPr>
         <p:txBody>
@@ -6795,13 +6743,10 @@
           <a:lstStyle/>
           <a:p>
             <a:r>
-              <a:rPr lang="en-US" dirty="0" err="1"/>
-              <a:t>Rezultati</a:t>
-            </a:r>
-            <a:r>
-              <a:rPr lang="en-US" dirty="0"/>
-              <a:t> </a:t>
-            </a:r>
+              <a:rPr lang="en-US" dirty="0" smtClean="0"/>
+              <a:t>Rezultati: </a:t>
+            </a:r>
+            <a:endParaRPr lang="en-US" dirty="0"/>
           </a:p>
         </p:txBody>
       </p:sp>
@@ -6929,36 +6874,6 @@
           </a:p>
         </p:txBody>
       </p:sp>
-      <p:pic>
-        <p:nvPicPr>
-          <p:cNvPr id="4" name="Picture 3"/>
-          <p:cNvPicPr>
-            <a:picLocks noChangeAspect="1"/>
-          </p:cNvPicPr>
-          <p:nvPr/>
-        </p:nvPicPr>
-        <p:blipFill>
-          <a:blip r:embed="rId2">
-            <a:extLst>
-              <a:ext uri="{28A0092B-C50C-407E-A947-70E740481C1C}">
-                <a14:useLocalDpi xmlns:a14="http://schemas.microsoft.com/office/drawing/2010/main" val="0"/>
-              </a:ext>
-            </a:extLst>
-          </a:blip>
-          <a:stretch>
-            <a:fillRect/>
-          </a:stretch>
-        </p:blipFill>
-        <p:spPr>
-          <a:xfrm>
-            <a:off x="2057400" y="2380034"/>
-            <a:ext cx="4876191" cy="3600000"/>
-          </a:xfrm>
-          <a:prstGeom prst="rect">
-            <a:avLst/>
-          </a:prstGeom>
-        </p:spPr>
-      </p:pic>
       <p:sp>
         <p:nvSpPr>
           <p:cNvPr id="5" name="TextBox 4"/>
@@ -6983,70 +6898,63 @@
           <a:p>
             <a:r>
               <a:rPr lang="en-US" dirty="0"/>
-              <a:t>Fitness </a:t>
-            </a:r>
-            <a:r>
-              <a:rPr lang="en-US" dirty="0" err="1"/>
-              <a:t>vrednost</a:t>
-            </a:r>
-            <a:r>
-              <a:rPr lang="en-US" dirty="0"/>
-              <a:t> </a:t>
-            </a:r>
-            <a:r>
-              <a:rPr lang="en-US" dirty="0" err="1"/>
-              <a:t>dobijena</a:t>
-            </a:r>
-            <a:r>
-              <a:rPr lang="en-US" dirty="0"/>
-              <a:t> </a:t>
-            </a:r>
-            <a:r>
-              <a:rPr lang="en-US" dirty="0" err="1"/>
-              <a:t>kod</a:t>
-            </a:r>
-            <a:r>
-              <a:rPr lang="en-US" dirty="0"/>
-              <a:t> </a:t>
-            </a:r>
-            <a:r>
-              <a:rPr lang="en-US" dirty="0" err="1"/>
-              <a:t>poredbenog</a:t>
-            </a:r>
-            <a:r>
-              <a:rPr lang="en-US" dirty="0"/>
-              <a:t> K means </a:t>
-            </a:r>
-            <a:r>
-              <a:rPr lang="en-US" dirty="0" err="1"/>
-              <a:t>algoritma</a:t>
-            </a:r>
-            <a:r>
-              <a:rPr lang="en-US" dirty="0"/>
-              <a:t> je </a:t>
-            </a:r>
-            <a:r>
-              <a:rPr lang="en-US" dirty="0">
+              <a:t>Fitness vrednost dobijena kod poredbenog K means algoritma </a:t>
+            </a:r>
+            <a:r>
+              <a:rPr lang="en-US" dirty="0" smtClean="0"/>
+              <a:t>je</a:t>
+            </a:r>
+            <a:r>
+              <a:rPr lang="sr-Latn-RS" dirty="0" smtClean="0"/>
+              <a:t> </a:t>
+            </a:r>
+            <a:r>
+              <a:rPr lang="sr-Latn-RS" dirty="0" smtClean="0">
                 <a:solidFill>
                   <a:srgbClr val="92D050"/>
                 </a:solidFill>
               </a:rPr>
-              <a:t>0,00318645</a:t>
-            </a:r>
-            <a:r>
-              <a:rPr lang="en-US" dirty="0"/>
-              <a:t>.</a:t>
-            </a:r>
-          </a:p>
-          <a:p>
+              <a:t>0,00078251.</a:t>
+            </a:r>
+            <a:r>
+              <a:rPr lang="sr-Latn-RS" dirty="0" smtClean="0"/>
+              <a:t>  </a:t>
+            </a:r>
             <a:endParaRPr lang="en-US" dirty="0"/>
           </a:p>
-        </p:txBody>
-      </p:sp>
+          <a:p>
+            <a:endParaRPr lang="en-US" dirty="0"/>
+          </a:p>
+        </p:txBody>
+      </p:sp>
+      <p:pic>
+        <p:nvPicPr>
+          <p:cNvPr id="8" name="Picture 7" descr="sse100_20_nc3kmg.png"/>
+          <p:cNvPicPr>
+            <a:picLocks noChangeAspect="1"/>
+          </p:cNvPicPr>
+          <p:nvPr/>
+        </p:nvPicPr>
+        <p:blipFill>
+          <a:blip r:embed="rId2"/>
+          <a:stretch>
+            <a:fillRect/>
+          </a:stretch>
+        </p:blipFill>
+        <p:spPr>
+          <a:xfrm>
+            <a:off x="1143000" y="2286000"/>
+            <a:ext cx="5791200" cy="3657600"/>
+          </a:xfrm>
+          <a:prstGeom prst="rect">
+            <a:avLst/>
+          </a:prstGeom>
+        </p:spPr>
+      </p:pic>
     </p:spTree>
     <p:extLst>
       <p:ext uri="{BB962C8B-B14F-4D97-AF65-F5344CB8AC3E}">
-        <p14:creationId xmlns:p14="http://schemas.microsoft.com/office/powerpoint/2010/main" val="1629850662"/>
+        <p14:creationId xmlns:p14="http://schemas.microsoft.com/office/powerpoint/2010/main" xmlns="" val="1629850662"/>
       </p:ext>
     </p:extLst>
   </p:cSld>
